--- a/Collaborator Meetings/2014_05_08 meeting.pptx
+++ b/Collaborator Meetings/2014_05_08 meeting.pptx
@@ -4,6 +4,21 @@
   <p:sldMasterIdLst>
     <p:sldMasterId id="2147483648" r:id="rId1"/>
   </p:sldMasterIdLst>
+  <p:notesMasterIdLst>
+    <p:notesMasterId r:id="rId12"/>
+  </p:notesMasterIdLst>
+  <p:sldIdLst>
+    <p:sldId id="256" r:id="rId2"/>
+    <p:sldId id="257" r:id="rId3"/>
+    <p:sldId id="258" r:id="rId4"/>
+    <p:sldId id="264" r:id="rId5"/>
+    <p:sldId id="263" r:id="rId6"/>
+    <p:sldId id="259" r:id="rId7"/>
+    <p:sldId id="260" r:id="rId8"/>
+    <p:sldId id="261" r:id="rId9"/>
+    <p:sldId id="265" r:id="rId10"/>
+    <p:sldId id="262" r:id="rId11"/>
+  </p:sldIdLst>
   <p:sldSz cx="9144000" cy="6858000" type="screen4x3"/>
   <p:notesSz cx="6858000" cy="9144000"/>
   <p:defaultTextStyle>
@@ -104,6 +119,356 @@
 </p:presentation>
 </file>
 
+<file path=ppt/notesMasters/notesMaster1.xml><?xml version="1.0" encoding="utf-8"?>
+<p:notesMaster xmlns:a="http://schemas.openxmlformats.org/drawingml/2006/main" xmlns:r="http://schemas.openxmlformats.org/officeDocument/2006/relationships" xmlns:p="http://schemas.openxmlformats.org/presentationml/2006/main">
+  <p:cSld>
+    <p:bg>
+      <p:bgRef idx="1001">
+        <a:schemeClr val="bg1"/>
+      </p:bgRef>
+    </p:bg>
+    <p:spTree>
+      <p:nvGrpSpPr>
+        <p:cNvPr id="1" name=""/>
+        <p:cNvGrpSpPr/>
+        <p:nvPr/>
+      </p:nvGrpSpPr>
+      <p:grpSpPr>
+        <a:xfrm>
+          <a:off x="0" y="0"/>
+          <a:ext cx="0" cy="0"/>
+          <a:chOff x="0" y="0"/>
+          <a:chExt cx="0" cy="0"/>
+        </a:xfrm>
+      </p:grpSpPr>
+      <p:sp>
+        <p:nvSpPr>
+          <p:cNvPr id="2" name="Header Placeholder 1"/>
+          <p:cNvSpPr>
+            <a:spLocks noGrp="1"/>
+          </p:cNvSpPr>
+          <p:nvPr>
+            <p:ph type="hdr" sz="quarter"/>
+          </p:nvPr>
+        </p:nvSpPr>
+        <p:spPr>
+          <a:xfrm>
+            <a:off x="0" y="0"/>
+            <a:ext cx="2971800" cy="457200"/>
+          </a:xfrm>
+          <a:prstGeom prst="rect">
+            <a:avLst/>
+          </a:prstGeom>
+        </p:spPr>
+        <p:txBody>
+          <a:bodyPr vert="horz" lIns="91440" tIns="45720" rIns="91440" bIns="45720" rtlCol="0"/>
+          <a:lstStyle>
+            <a:lvl1pPr algn="l">
+              <a:defRPr sz="1200"/>
+            </a:lvl1pPr>
+          </a:lstStyle>
+          <a:p>
+            <a:endParaRPr lang="en-US"/>
+          </a:p>
+        </p:txBody>
+      </p:sp>
+      <p:sp>
+        <p:nvSpPr>
+          <p:cNvPr id="3" name="Date Placeholder 2"/>
+          <p:cNvSpPr>
+            <a:spLocks noGrp="1"/>
+          </p:cNvSpPr>
+          <p:nvPr>
+            <p:ph type="dt" idx="1"/>
+          </p:nvPr>
+        </p:nvSpPr>
+        <p:spPr>
+          <a:xfrm>
+            <a:off x="3884613" y="0"/>
+            <a:ext cx="2971800" cy="457200"/>
+          </a:xfrm>
+          <a:prstGeom prst="rect">
+            <a:avLst/>
+          </a:prstGeom>
+        </p:spPr>
+        <p:txBody>
+          <a:bodyPr vert="horz" lIns="91440" tIns="45720" rIns="91440" bIns="45720" rtlCol="0"/>
+          <a:lstStyle>
+            <a:lvl1pPr algn="r">
+              <a:defRPr sz="1200"/>
+            </a:lvl1pPr>
+          </a:lstStyle>
+          <a:p>
+            <a:fld id="{1455E86B-A5C1-45AB-9431-76E750A11E91}" type="datetimeFigureOut">
+              <a:rPr lang="en-US" smtClean="0"/>
+              <a:t>5/7/2014</a:t>
+            </a:fld>
+            <a:endParaRPr lang="en-US"/>
+          </a:p>
+        </p:txBody>
+      </p:sp>
+      <p:sp>
+        <p:nvSpPr>
+          <p:cNvPr id="4" name="Slide Image Placeholder 3"/>
+          <p:cNvSpPr>
+            <a:spLocks noGrp="1" noRot="1" noChangeAspect="1"/>
+          </p:cNvSpPr>
+          <p:nvPr>
+            <p:ph type="sldImg" idx="2"/>
+          </p:nvPr>
+        </p:nvSpPr>
+        <p:spPr>
+          <a:xfrm>
+            <a:off x="1143000" y="685800"/>
+            <a:ext cx="4572000" cy="3429000"/>
+          </a:xfrm>
+          <a:prstGeom prst="rect">
+            <a:avLst/>
+          </a:prstGeom>
+          <a:noFill/>
+          <a:ln w="12700">
+            <a:solidFill>
+              <a:prstClr val="black"/>
+            </a:solidFill>
+          </a:ln>
+        </p:spPr>
+        <p:txBody>
+          <a:bodyPr vert="horz" lIns="91440" tIns="45720" rIns="91440" bIns="45720" rtlCol="0" anchor="ctr"/>
+          <a:lstStyle/>
+          <a:p>
+            <a:endParaRPr lang="en-US"/>
+          </a:p>
+        </p:txBody>
+      </p:sp>
+      <p:sp>
+        <p:nvSpPr>
+          <p:cNvPr id="5" name="Notes Placeholder 4"/>
+          <p:cNvSpPr>
+            <a:spLocks noGrp="1"/>
+          </p:cNvSpPr>
+          <p:nvPr>
+            <p:ph type="body" sz="quarter" idx="3"/>
+          </p:nvPr>
+        </p:nvSpPr>
+        <p:spPr>
+          <a:xfrm>
+            <a:off x="685800" y="4343400"/>
+            <a:ext cx="5486400" cy="4114800"/>
+          </a:xfrm>
+          <a:prstGeom prst="rect">
+            <a:avLst/>
+          </a:prstGeom>
+        </p:spPr>
+        <p:txBody>
+          <a:bodyPr vert="horz" lIns="91440" tIns="45720" rIns="91440" bIns="45720" rtlCol="0"/>
+          <a:lstStyle/>
+          <a:p>
+            <a:pPr lvl="0"/>
+            <a:r>
+              <a:rPr lang="en-US" smtClean="0"/>
+              <a:t>Click to edit Master text styles</a:t>
+            </a:r>
+          </a:p>
+          <a:p>
+            <a:pPr lvl="1"/>
+            <a:r>
+              <a:rPr lang="en-US" smtClean="0"/>
+              <a:t>Second level</a:t>
+            </a:r>
+          </a:p>
+          <a:p>
+            <a:pPr lvl="2"/>
+            <a:r>
+              <a:rPr lang="en-US" smtClean="0"/>
+              <a:t>Third level</a:t>
+            </a:r>
+          </a:p>
+          <a:p>
+            <a:pPr lvl="3"/>
+            <a:r>
+              <a:rPr lang="en-US" smtClean="0"/>
+              <a:t>Fourth level</a:t>
+            </a:r>
+          </a:p>
+          <a:p>
+            <a:pPr lvl="4"/>
+            <a:r>
+              <a:rPr lang="en-US" smtClean="0"/>
+              <a:t>Fifth level</a:t>
+            </a:r>
+            <a:endParaRPr lang="en-US"/>
+          </a:p>
+        </p:txBody>
+      </p:sp>
+      <p:sp>
+        <p:nvSpPr>
+          <p:cNvPr id="6" name="Footer Placeholder 5"/>
+          <p:cNvSpPr>
+            <a:spLocks noGrp="1"/>
+          </p:cNvSpPr>
+          <p:nvPr>
+            <p:ph type="ftr" sz="quarter" idx="4"/>
+          </p:nvPr>
+        </p:nvSpPr>
+        <p:spPr>
+          <a:xfrm>
+            <a:off x="0" y="8685213"/>
+            <a:ext cx="2971800" cy="457200"/>
+          </a:xfrm>
+          <a:prstGeom prst="rect">
+            <a:avLst/>
+          </a:prstGeom>
+        </p:spPr>
+        <p:txBody>
+          <a:bodyPr vert="horz" lIns="91440" tIns="45720" rIns="91440" bIns="45720" rtlCol="0" anchor="b"/>
+          <a:lstStyle>
+            <a:lvl1pPr algn="l">
+              <a:defRPr sz="1200"/>
+            </a:lvl1pPr>
+          </a:lstStyle>
+          <a:p>
+            <a:endParaRPr lang="en-US"/>
+          </a:p>
+        </p:txBody>
+      </p:sp>
+      <p:sp>
+        <p:nvSpPr>
+          <p:cNvPr id="7" name="Slide Number Placeholder 6"/>
+          <p:cNvSpPr>
+            <a:spLocks noGrp="1"/>
+          </p:cNvSpPr>
+          <p:nvPr>
+            <p:ph type="sldNum" sz="quarter" idx="5"/>
+          </p:nvPr>
+        </p:nvSpPr>
+        <p:spPr>
+          <a:xfrm>
+            <a:off x="3884613" y="8685213"/>
+            <a:ext cx="2971800" cy="457200"/>
+          </a:xfrm>
+          <a:prstGeom prst="rect">
+            <a:avLst/>
+          </a:prstGeom>
+        </p:spPr>
+        <p:txBody>
+          <a:bodyPr vert="horz" lIns="91440" tIns="45720" rIns="91440" bIns="45720" rtlCol="0" anchor="b"/>
+          <a:lstStyle>
+            <a:lvl1pPr algn="r">
+              <a:defRPr sz="1200"/>
+            </a:lvl1pPr>
+          </a:lstStyle>
+          <a:p>
+            <a:fld id="{3577EBBC-FCDA-4535-B3F2-0F7319853179}" type="slidenum">
+              <a:rPr lang="en-US" smtClean="0"/>
+              <a:t>‹#›</a:t>
+            </a:fld>
+            <a:endParaRPr lang="en-US"/>
+          </a:p>
+        </p:txBody>
+      </p:sp>
+    </p:spTree>
+    <p:extLst>
+      <p:ext uri="{BB962C8B-B14F-4D97-AF65-F5344CB8AC3E}">
+        <p14:creationId xmlns:p14="http://schemas.microsoft.com/office/powerpoint/2010/main" val="907567798"/>
+      </p:ext>
+    </p:extLst>
+  </p:cSld>
+  <p:clrMap bg1="lt1" tx1="dk1" bg2="lt2" tx2="dk2" accent1="accent1" accent2="accent2" accent3="accent3" accent4="accent4" accent5="accent5" accent6="accent6" hlink="hlink" folHlink="folHlink"/>
+  <p:notesStyle>
+    <a:lvl1pPr marL="0" algn="l" defTabSz="914400" rtl="0" eaLnBrk="1" latinLnBrk="0" hangingPunct="1">
+      <a:defRPr sz="1200" kern="1200">
+        <a:solidFill>
+          <a:schemeClr val="tx1"/>
+        </a:solidFill>
+        <a:latin typeface="+mn-lt"/>
+        <a:ea typeface="+mn-ea"/>
+        <a:cs typeface="+mn-cs"/>
+      </a:defRPr>
+    </a:lvl1pPr>
+    <a:lvl2pPr marL="457200" algn="l" defTabSz="914400" rtl="0" eaLnBrk="1" latinLnBrk="0" hangingPunct="1">
+      <a:defRPr sz="1200" kern="1200">
+        <a:solidFill>
+          <a:schemeClr val="tx1"/>
+        </a:solidFill>
+        <a:latin typeface="+mn-lt"/>
+        <a:ea typeface="+mn-ea"/>
+        <a:cs typeface="+mn-cs"/>
+      </a:defRPr>
+    </a:lvl2pPr>
+    <a:lvl3pPr marL="914400" algn="l" defTabSz="914400" rtl="0" eaLnBrk="1" latinLnBrk="0" hangingPunct="1">
+      <a:defRPr sz="1200" kern="1200">
+        <a:solidFill>
+          <a:schemeClr val="tx1"/>
+        </a:solidFill>
+        <a:latin typeface="+mn-lt"/>
+        <a:ea typeface="+mn-ea"/>
+        <a:cs typeface="+mn-cs"/>
+      </a:defRPr>
+    </a:lvl3pPr>
+    <a:lvl4pPr marL="1371600" algn="l" defTabSz="914400" rtl="0" eaLnBrk="1" latinLnBrk="0" hangingPunct="1">
+      <a:defRPr sz="1200" kern="1200">
+        <a:solidFill>
+          <a:schemeClr val="tx1"/>
+        </a:solidFill>
+        <a:latin typeface="+mn-lt"/>
+        <a:ea typeface="+mn-ea"/>
+        <a:cs typeface="+mn-cs"/>
+      </a:defRPr>
+    </a:lvl4pPr>
+    <a:lvl5pPr marL="1828800" algn="l" defTabSz="914400" rtl="0" eaLnBrk="1" latinLnBrk="0" hangingPunct="1">
+      <a:defRPr sz="1200" kern="1200">
+        <a:solidFill>
+          <a:schemeClr val="tx1"/>
+        </a:solidFill>
+        <a:latin typeface="+mn-lt"/>
+        <a:ea typeface="+mn-ea"/>
+        <a:cs typeface="+mn-cs"/>
+      </a:defRPr>
+    </a:lvl5pPr>
+    <a:lvl6pPr marL="2286000" algn="l" defTabSz="914400" rtl="0" eaLnBrk="1" latinLnBrk="0" hangingPunct="1">
+      <a:defRPr sz="1200" kern="1200">
+        <a:solidFill>
+          <a:schemeClr val="tx1"/>
+        </a:solidFill>
+        <a:latin typeface="+mn-lt"/>
+        <a:ea typeface="+mn-ea"/>
+        <a:cs typeface="+mn-cs"/>
+      </a:defRPr>
+    </a:lvl6pPr>
+    <a:lvl7pPr marL="2743200" algn="l" defTabSz="914400" rtl="0" eaLnBrk="1" latinLnBrk="0" hangingPunct="1">
+      <a:defRPr sz="1200" kern="1200">
+        <a:solidFill>
+          <a:schemeClr val="tx1"/>
+        </a:solidFill>
+        <a:latin typeface="+mn-lt"/>
+        <a:ea typeface="+mn-ea"/>
+        <a:cs typeface="+mn-cs"/>
+      </a:defRPr>
+    </a:lvl7pPr>
+    <a:lvl8pPr marL="3200400" algn="l" defTabSz="914400" rtl="0" eaLnBrk="1" latinLnBrk="0" hangingPunct="1">
+      <a:defRPr sz="1200" kern="1200">
+        <a:solidFill>
+          <a:schemeClr val="tx1"/>
+        </a:solidFill>
+        <a:latin typeface="+mn-lt"/>
+        <a:ea typeface="+mn-ea"/>
+        <a:cs typeface="+mn-cs"/>
+      </a:defRPr>
+    </a:lvl8pPr>
+    <a:lvl9pPr marL="3657600" algn="l" defTabSz="914400" rtl="0" eaLnBrk="1" latinLnBrk="0" hangingPunct="1">
+      <a:defRPr sz="1200" kern="1200">
+        <a:solidFill>
+          <a:schemeClr val="tx1"/>
+        </a:solidFill>
+        <a:latin typeface="+mn-lt"/>
+        <a:ea typeface="+mn-ea"/>
+        <a:cs typeface="+mn-cs"/>
+      </a:defRPr>
+    </a:lvl9pPr>
+  </p:notesStyle>
+</p:notesMaster>
+</file>
+
 <file path=ppt/slideLayouts/slideLayout1.xml><?xml version="1.0" encoding="utf-8"?>
 <p:sldLayout xmlns:a="http://schemas.openxmlformats.org/drawingml/2006/main" xmlns:r="http://schemas.openxmlformats.org/officeDocument/2006/relationships" xmlns:p="http://schemas.openxmlformats.org/presentationml/2006/main" type="title" preserve="1">
   <p:cSld name="Title Slide">
@@ -286,7 +651,7 @@
             <a:fld id="{1D8BD707-D9CF-40AE-B4C6-C98DA3205C09}" type="datetimeFigureOut">
               <a:rPr lang="en-US" smtClean="0"/>
               <a:pPr/>
-              <a:t>9/18/2006</a:t>
+              <a:t>5/7/2014</a:t>
             </a:fld>
             <a:endParaRPr lang="en-US"/>
           </a:p>
@@ -453,7 +818,7 @@
             <a:fld id="{1D8BD707-D9CF-40AE-B4C6-C98DA3205C09}" type="datetimeFigureOut">
               <a:rPr lang="en-US" smtClean="0"/>
               <a:pPr/>
-              <a:t>9/18/2006</a:t>
+              <a:t>5/7/2014</a:t>
             </a:fld>
             <a:endParaRPr lang="en-US"/>
           </a:p>
@@ -630,7 +995,7 @@
             <a:fld id="{1D8BD707-D9CF-40AE-B4C6-C98DA3205C09}" type="datetimeFigureOut">
               <a:rPr lang="en-US" smtClean="0"/>
               <a:pPr/>
-              <a:t>9/18/2006</a:t>
+              <a:t>5/7/2014</a:t>
             </a:fld>
             <a:endParaRPr lang="en-US"/>
           </a:p>
@@ -797,7 +1162,7 @@
             <a:fld id="{1D8BD707-D9CF-40AE-B4C6-C98DA3205C09}" type="datetimeFigureOut">
               <a:rPr lang="en-US" smtClean="0"/>
               <a:pPr/>
-              <a:t>9/18/2006</a:t>
+              <a:t>5/7/2014</a:t>
             </a:fld>
             <a:endParaRPr lang="en-US"/>
           </a:p>
@@ -1040,7 +1405,7 @@
             <a:fld id="{1D8BD707-D9CF-40AE-B4C6-C98DA3205C09}" type="datetimeFigureOut">
               <a:rPr lang="en-US" smtClean="0"/>
               <a:pPr/>
-              <a:t>9/18/2006</a:t>
+              <a:t>5/7/2014</a:t>
             </a:fld>
             <a:endParaRPr lang="en-US"/>
           </a:p>
@@ -1325,7 +1690,7 @@
             <a:fld id="{1D8BD707-D9CF-40AE-B4C6-C98DA3205C09}" type="datetimeFigureOut">
               <a:rPr lang="en-US" smtClean="0"/>
               <a:pPr/>
-              <a:t>9/18/2006</a:t>
+              <a:t>5/7/2014</a:t>
             </a:fld>
             <a:endParaRPr lang="en-US"/>
           </a:p>
@@ -1744,7 +2109,7 @@
             <a:fld id="{1D8BD707-D9CF-40AE-B4C6-C98DA3205C09}" type="datetimeFigureOut">
               <a:rPr lang="en-US" smtClean="0"/>
               <a:pPr/>
-              <a:t>9/18/2006</a:t>
+              <a:t>5/7/2014</a:t>
             </a:fld>
             <a:endParaRPr lang="en-US"/>
           </a:p>
@@ -1859,7 +2224,7 @@
             <a:fld id="{1D8BD707-D9CF-40AE-B4C6-C98DA3205C09}" type="datetimeFigureOut">
               <a:rPr lang="en-US" smtClean="0"/>
               <a:pPr/>
-              <a:t>9/18/2006</a:t>
+              <a:t>5/7/2014</a:t>
             </a:fld>
             <a:endParaRPr lang="en-US"/>
           </a:p>
@@ -1951,7 +2316,7 @@
             <a:fld id="{1D8BD707-D9CF-40AE-B4C6-C98DA3205C09}" type="datetimeFigureOut">
               <a:rPr lang="en-US" smtClean="0"/>
               <a:pPr/>
-              <a:t>9/18/2006</a:t>
+              <a:t>5/7/2014</a:t>
             </a:fld>
             <a:endParaRPr lang="en-US"/>
           </a:p>
@@ -2225,7 +2590,7 @@
             <a:fld id="{1D8BD707-D9CF-40AE-B4C6-C98DA3205C09}" type="datetimeFigureOut">
               <a:rPr lang="en-US" smtClean="0"/>
               <a:pPr/>
-              <a:t>9/18/2006</a:t>
+              <a:t>5/7/2014</a:t>
             </a:fld>
             <a:endParaRPr lang="en-US"/>
           </a:p>
@@ -2475,7 +2840,7 @@
             <a:fld id="{1D8BD707-D9CF-40AE-B4C6-C98DA3205C09}" type="datetimeFigureOut">
               <a:rPr lang="en-US" smtClean="0"/>
               <a:pPr/>
-              <a:t>9/18/2006</a:t>
+              <a:t>5/7/2014</a:t>
             </a:fld>
             <a:endParaRPr lang="en-US"/>
           </a:p>
@@ -2685,7 +3050,7 @@
             <a:fld id="{1D8BD707-D9CF-40AE-B4C6-C98DA3205C09}" type="datetimeFigureOut">
               <a:rPr lang="en-US" smtClean="0"/>
               <a:pPr/>
-              <a:t>9/18/2006</a:t>
+              <a:t>5/7/2014</a:t>
             </a:fld>
             <a:endParaRPr lang="en-US"/>
           </a:p>
@@ -3037,6 +3402,2643 @@
     </p:otherStyle>
   </p:txStyles>
 </p:sldMaster>
+</file>
+
+<file path=ppt/slides/slide1.xml><?xml version="1.0" encoding="utf-8"?>
+<p:sld xmlns:a="http://schemas.openxmlformats.org/drawingml/2006/main" xmlns:r="http://schemas.openxmlformats.org/officeDocument/2006/relationships" xmlns:p="http://schemas.openxmlformats.org/presentationml/2006/main">
+  <p:cSld>
+    <p:spTree>
+      <p:nvGrpSpPr>
+        <p:cNvPr id="1" name=""/>
+        <p:cNvGrpSpPr/>
+        <p:nvPr/>
+      </p:nvGrpSpPr>
+      <p:grpSpPr>
+        <a:xfrm>
+          <a:off x="0" y="0"/>
+          <a:ext cx="0" cy="0"/>
+          <a:chOff x="0" y="0"/>
+          <a:chExt cx="0" cy="0"/>
+        </a:xfrm>
+      </p:grpSpPr>
+      <p:sp>
+        <p:nvSpPr>
+          <p:cNvPr id="2" name="Title 1"/>
+          <p:cNvSpPr>
+            <a:spLocks noGrp="1"/>
+          </p:cNvSpPr>
+          <p:nvPr>
+            <p:ph type="ctrTitle"/>
+          </p:nvPr>
+        </p:nvSpPr>
+        <p:spPr/>
+        <p:txBody>
+          <a:bodyPr/>
+          <a:lstStyle/>
+          <a:p>
+            <a:r>
+              <a:rPr lang="en-US" dirty="0" err="1" smtClean="0"/>
+              <a:t>Initiatial</a:t>
+            </a:r>
+            <a:r>
+              <a:rPr lang="en-US" dirty="0" smtClean="0"/>
+              <a:t> </a:t>
+            </a:r>
+            <a:r>
+              <a:rPr lang="en-US" dirty="0" err="1" smtClean="0"/>
+              <a:t>M.maripaludis</a:t>
+            </a:r>
+            <a:r>
+              <a:rPr lang="en-US" dirty="0" smtClean="0"/>
+              <a:t> Meeting</a:t>
+            </a:r>
+            <a:endParaRPr lang="en-US" dirty="0"/>
+          </a:p>
+        </p:txBody>
+      </p:sp>
+      <p:sp>
+        <p:nvSpPr>
+          <p:cNvPr id="3" name="Subtitle 2"/>
+          <p:cNvSpPr>
+            <a:spLocks noGrp="1"/>
+          </p:cNvSpPr>
+          <p:nvPr>
+            <p:ph type="subTitle" idx="1"/>
+          </p:nvPr>
+        </p:nvSpPr>
+        <p:spPr/>
+        <p:txBody>
+          <a:bodyPr/>
+          <a:lstStyle/>
+          <a:p>
+            <a:r>
+              <a:rPr lang="en-US" dirty="0" smtClean="0"/>
+              <a:t>May 8, 2014</a:t>
+            </a:r>
+            <a:endParaRPr lang="en-US" dirty="0"/>
+          </a:p>
+        </p:txBody>
+      </p:sp>
+    </p:spTree>
+    <p:extLst>
+      <p:ext uri="{BB962C8B-B14F-4D97-AF65-F5344CB8AC3E}">
+        <p14:creationId xmlns:p14="http://schemas.microsoft.com/office/powerpoint/2010/main" val="3401114850"/>
+      </p:ext>
+    </p:extLst>
+  </p:cSld>
+  <p:clrMapOvr>
+    <a:masterClrMapping/>
+  </p:clrMapOvr>
+  <p:timing>
+    <p:tnLst>
+      <p:par>
+        <p:cTn id="1" dur="indefinite" restart="never" nodeType="tmRoot"/>
+      </p:par>
+    </p:tnLst>
+  </p:timing>
+</p:sld>
+</file>
+
+<file path=ppt/slides/slide10.xml><?xml version="1.0" encoding="utf-8"?>
+<p:sld xmlns:a="http://schemas.openxmlformats.org/drawingml/2006/main" xmlns:r="http://schemas.openxmlformats.org/officeDocument/2006/relationships" xmlns:p="http://schemas.openxmlformats.org/presentationml/2006/main">
+  <p:cSld>
+    <p:spTree>
+      <p:nvGrpSpPr>
+        <p:cNvPr id="1" name=""/>
+        <p:cNvGrpSpPr/>
+        <p:nvPr/>
+      </p:nvGrpSpPr>
+      <p:grpSpPr>
+        <a:xfrm>
+          <a:off x="0" y="0"/>
+          <a:ext cx="0" cy="0"/>
+          <a:chOff x="0" y="0"/>
+          <a:chExt cx="0" cy="0"/>
+        </a:xfrm>
+      </p:grpSpPr>
+      <p:sp>
+        <p:nvSpPr>
+          <p:cNvPr id="2" name="Title 1"/>
+          <p:cNvSpPr>
+            <a:spLocks noGrp="1"/>
+          </p:cNvSpPr>
+          <p:nvPr>
+            <p:ph type="title"/>
+          </p:nvPr>
+        </p:nvSpPr>
+        <p:spPr/>
+        <p:txBody>
+          <a:bodyPr>
+            <a:normAutofit/>
+          </a:bodyPr>
+          <a:lstStyle/>
+          <a:p>
+            <a:r>
+              <a:rPr lang="en-US" dirty="0" smtClean="0"/>
+              <a:t>Logistics</a:t>
+            </a:r>
+            <a:endParaRPr lang="en-US" dirty="0"/>
+          </a:p>
+        </p:txBody>
+      </p:sp>
+      <p:sp>
+        <p:nvSpPr>
+          <p:cNvPr id="3" name="Content Placeholder 2"/>
+          <p:cNvSpPr>
+            <a:spLocks noGrp="1"/>
+          </p:cNvSpPr>
+          <p:nvPr>
+            <p:ph idx="1"/>
+          </p:nvPr>
+        </p:nvSpPr>
+        <p:spPr/>
+        <p:txBody>
+          <a:bodyPr>
+            <a:normAutofit/>
+          </a:bodyPr>
+          <a:lstStyle/>
+          <a:p>
+            <a:r>
+              <a:rPr lang="en-US" dirty="0" smtClean="0"/>
+              <a:t>Who is our contact person?</a:t>
+            </a:r>
+          </a:p>
+          <a:p>
+            <a:endParaRPr lang="en-US" dirty="0" smtClean="0"/>
+          </a:p>
+          <a:p>
+            <a:r>
+              <a:rPr lang="en-US" dirty="0" smtClean="0"/>
+              <a:t>How often can/should we meet?</a:t>
+            </a:r>
+          </a:p>
+          <a:p>
+            <a:endParaRPr lang="en-US" dirty="0" smtClean="0"/>
+          </a:p>
+          <a:p>
+            <a:r>
+              <a:rPr lang="en-US" dirty="0" smtClean="0"/>
+              <a:t>How do we foresee the details of our collaboration?</a:t>
+            </a:r>
+          </a:p>
+        </p:txBody>
+      </p:sp>
+    </p:spTree>
+    <p:extLst>
+      <p:ext uri="{BB962C8B-B14F-4D97-AF65-F5344CB8AC3E}">
+        <p14:creationId xmlns:p14="http://schemas.microsoft.com/office/powerpoint/2010/main" val="2608497463"/>
+      </p:ext>
+    </p:extLst>
+  </p:cSld>
+  <p:clrMapOvr>
+    <a:masterClrMapping/>
+  </p:clrMapOvr>
+  <p:timing>
+    <p:tnLst>
+      <p:par>
+        <p:cTn id="1" dur="indefinite" restart="never" nodeType="tmRoot"/>
+      </p:par>
+    </p:tnLst>
+  </p:timing>
+</p:sld>
+</file>
+
+<file path=ppt/slides/slide2.xml><?xml version="1.0" encoding="utf-8"?>
+<p:sld xmlns:a="http://schemas.openxmlformats.org/drawingml/2006/main" xmlns:r="http://schemas.openxmlformats.org/officeDocument/2006/relationships" xmlns:p="http://schemas.openxmlformats.org/presentationml/2006/main">
+  <p:cSld>
+    <p:spTree>
+      <p:nvGrpSpPr>
+        <p:cNvPr id="1" name=""/>
+        <p:cNvGrpSpPr/>
+        <p:nvPr/>
+      </p:nvGrpSpPr>
+      <p:grpSpPr>
+        <a:xfrm>
+          <a:off x="0" y="0"/>
+          <a:ext cx="0" cy="0"/>
+          <a:chOff x="0" y="0"/>
+          <a:chExt cx="0" cy="0"/>
+        </a:xfrm>
+      </p:grpSpPr>
+      <p:sp>
+        <p:nvSpPr>
+          <p:cNvPr id="2" name="Title 1"/>
+          <p:cNvSpPr>
+            <a:spLocks noGrp="1"/>
+          </p:cNvSpPr>
+          <p:nvPr>
+            <p:ph type="title"/>
+          </p:nvPr>
+        </p:nvSpPr>
+        <p:spPr/>
+        <p:txBody>
+          <a:bodyPr/>
+          <a:lstStyle/>
+          <a:p>
+            <a:r>
+              <a:rPr lang="en-US" dirty="0" smtClean="0"/>
+              <a:t>Overview</a:t>
+            </a:r>
+            <a:endParaRPr lang="en-US" dirty="0"/>
+          </a:p>
+        </p:txBody>
+      </p:sp>
+      <p:sp>
+        <p:nvSpPr>
+          <p:cNvPr id="3" name="Content Placeholder 2"/>
+          <p:cNvSpPr>
+            <a:spLocks noGrp="1"/>
+          </p:cNvSpPr>
+          <p:nvPr>
+            <p:ph idx="1"/>
+          </p:nvPr>
+        </p:nvSpPr>
+        <p:spPr/>
+        <p:txBody>
+          <a:bodyPr/>
+          <a:lstStyle/>
+          <a:p>
+            <a:r>
+              <a:rPr lang="en-US" dirty="0" smtClean="0"/>
+              <a:t>Model Statistics</a:t>
+            </a:r>
+          </a:p>
+          <a:p>
+            <a:endParaRPr lang="en-US" dirty="0"/>
+          </a:p>
+          <a:p>
+            <a:r>
+              <a:rPr lang="en-US" dirty="0" smtClean="0"/>
+              <a:t>Notable Pathways</a:t>
+            </a:r>
+          </a:p>
+          <a:p>
+            <a:endParaRPr lang="en-US" dirty="0"/>
+          </a:p>
+          <a:p>
+            <a:r>
+              <a:rPr lang="en-US" dirty="0" smtClean="0"/>
+              <a:t>Model Shortcomings</a:t>
+            </a:r>
+          </a:p>
+          <a:p>
+            <a:endParaRPr lang="en-US" dirty="0"/>
+          </a:p>
+          <a:p>
+            <a:r>
+              <a:rPr lang="en-US" dirty="0" smtClean="0"/>
+              <a:t>Future Directions</a:t>
+            </a:r>
+            <a:endParaRPr lang="en-US" dirty="0"/>
+          </a:p>
+        </p:txBody>
+      </p:sp>
+    </p:spTree>
+    <p:extLst>
+      <p:ext uri="{BB962C8B-B14F-4D97-AF65-F5344CB8AC3E}">
+        <p14:creationId xmlns:p14="http://schemas.microsoft.com/office/powerpoint/2010/main" val="2573903037"/>
+      </p:ext>
+    </p:extLst>
+  </p:cSld>
+  <p:clrMapOvr>
+    <a:masterClrMapping/>
+  </p:clrMapOvr>
+  <p:timing>
+    <p:tnLst>
+      <p:par>
+        <p:cTn id="1" dur="indefinite" restart="never" nodeType="tmRoot"/>
+      </p:par>
+    </p:tnLst>
+  </p:timing>
+</p:sld>
+</file>
+
+<file path=ppt/slides/slide3.xml><?xml version="1.0" encoding="utf-8"?>
+<p:sld xmlns:a="http://schemas.openxmlformats.org/drawingml/2006/main" xmlns:r="http://schemas.openxmlformats.org/officeDocument/2006/relationships" xmlns:p="http://schemas.openxmlformats.org/presentationml/2006/main">
+  <p:cSld>
+    <p:spTree>
+      <p:nvGrpSpPr>
+        <p:cNvPr id="1" name=""/>
+        <p:cNvGrpSpPr/>
+        <p:nvPr/>
+      </p:nvGrpSpPr>
+      <p:grpSpPr>
+        <a:xfrm>
+          <a:off x="0" y="0"/>
+          <a:ext cx="0" cy="0"/>
+          <a:chOff x="0" y="0"/>
+          <a:chExt cx="0" cy="0"/>
+        </a:xfrm>
+      </p:grpSpPr>
+      <p:sp>
+        <p:nvSpPr>
+          <p:cNvPr id="4" name="Title 3"/>
+          <p:cNvSpPr>
+            <a:spLocks noGrp="1"/>
+          </p:cNvSpPr>
+          <p:nvPr>
+            <p:ph type="title"/>
+          </p:nvPr>
+        </p:nvSpPr>
+        <p:spPr/>
+        <p:txBody>
+          <a:bodyPr/>
+          <a:lstStyle/>
+          <a:p>
+            <a:r>
+              <a:rPr lang="en-US" dirty="0" smtClean="0"/>
+              <a:t>Model Statistics</a:t>
+            </a:r>
+            <a:endParaRPr lang="en-US" dirty="0"/>
+          </a:p>
+        </p:txBody>
+      </p:sp>
+      <p:sp>
+        <p:nvSpPr>
+          <p:cNvPr id="5" name="Content Placeholder 4"/>
+          <p:cNvSpPr>
+            <a:spLocks noGrp="1"/>
+          </p:cNvSpPr>
+          <p:nvPr>
+            <p:ph sz="half" idx="1"/>
+          </p:nvPr>
+        </p:nvSpPr>
+        <p:spPr>
+          <a:xfrm>
+            <a:off x="457200" y="1600200"/>
+            <a:ext cx="4038600" cy="2362200"/>
+          </a:xfrm>
+        </p:spPr>
+        <p:txBody>
+          <a:bodyPr/>
+          <a:lstStyle/>
+          <a:p>
+            <a:r>
+              <a:rPr lang="en-US" dirty="0" smtClean="0"/>
+              <a:t>Draft model</a:t>
+            </a:r>
+          </a:p>
+          <a:p>
+            <a:pPr lvl="1"/>
+            <a:r>
+              <a:rPr lang="en-US" dirty="0" smtClean="0"/>
+              <a:t>724 Metabolites</a:t>
+            </a:r>
+          </a:p>
+          <a:p>
+            <a:pPr lvl="1"/>
+            <a:r>
+              <a:rPr lang="en-US" dirty="0" smtClean="0"/>
+              <a:t>708 Reactions</a:t>
+            </a:r>
+          </a:p>
+          <a:p>
+            <a:pPr lvl="1"/>
+            <a:r>
+              <a:rPr lang="en-US" dirty="0" smtClean="0"/>
+              <a:t>388 Genes</a:t>
+            </a:r>
+          </a:p>
+          <a:p>
+            <a:pPr lvl="1"/>
+            <a:r>
+              <a:rPr lang="en-US" dirty="0" smtClean="0"/>
+              <a:t>Model overall reaction:</a:t>
+            </a:r>
+          </a:p>
+        </p:txBody>
+      </p:sp>
+      <p:sp>
+        <p:nvSpPr>
+          <p:cNvPr id="6" name="Content Placeholder 5"/>
+          <p:cNvSpPr>
+            <a:spLocks noGrp="1"/>
+          </p:cNvSpPr>
+          <p:nvPr>
+            <p:ph sz="half" idx="2"/>
+          </p:nvPr>
+        </p:nvSpPr>
+        <p:spPr>
+          <a:xfrm>
+            <a:off x="4648200" y="1600201"/>
+            <a:ext cx="4038600" cy="2514600"/>
+          </a:xfrm>
+        </p:spPr>
+        <p:txBody>
+          <a:bodyPr/>
+          <a:lstStyle/>
+          <a:p>
+            <a:r>
+              <a:rPr lang="en-US" dirty="0" smtClean="0"/>
+              <a:t>Current Model</a:t>
+            </a:r>
+          </a:p>
+          <a:p>
+            <a:pPr lvl="1"/>
+            <a:r>
+              <a:rPr lang="en-US" dirty="0" smtClean="0"/>
+              <a:t>735 Metabolites</a:t>
+            </a:r>
+            <a:endParaRPr lang="en-US" dirty="0"/>
+          </a:p>
+          <a:p>
+            <a:pPr lvl="1"/>
+            <a:r>
+              <a:rPr lang="en-US" dirty="0" smtClean="0"/>
+              <a:t>730 Reactions</a:t>
+            </a:r>
+            <a:endParaRPr lang="en-US" dirty="0"/>
+          </a:p>
+          <a:p>
+            <a:pPr lvl="1"/>
+            <a:r>
+              <a:rPr lang="en-US" dirty="0" smtClean="0"/>
+              <a:t>412 Genes</a:t>
+            </a:r>
+            <a:endParaRPr lang="en-US" dirty="0"/>
+          </a:p>
+          <a:p>
+            <a:pPr lvl="1"/>
+            <a:r>
+              <a:rPr lang="en-US" dirty="0"/>
+              <a:t>Model overall </a:t>
+            </a:r>
+            <a:r>
+              <a:rPr lang="en-US" dirty="0" smtClean="0"/>
+              <a:t>reaction:</a:t>
+            </a:r>
+          </a:p>
+        </p:txBody>
+      </p:sp>
+      <p:sp>
+        <p:nvSpPr>
+          <p:cNvPr id="7" name="Content Placeholder 4"/>
+          <p:cNvSpPr txBox="1">
+            <a:spLocks/>
+          </p:cNvSpPr>
+          <p:nvPr/>
+        </p:nvSpPr>
+        <p:spPr>
+          <a:xfrm>
+            <a:off x="76200" y="4114800"/>
+            <a:ext cx="4800600" cy="533400"/>
+          </a:xfrm>
+          <a:prstGeom prst="rect">
+            <a:avLst/>
+          </a:prstGeom>
+        </p:spPr>
+        <p:txBody>
+          <a:bodyPr vert="horz" lIns="91440" tIns="45720" rIns="91440" bIns="45720" rtlCol="0">
+            <a:noAutofit/>
+          </a:bodyPr>
+          <a:lstStyle>
+            <a:lvl1pPr marL="342900" indent="-342900" algn="l" defTabSz="914400" rtl="0" eaLnBrk="1" latinLnBrk="0" hangingPunct="1">
+              <a:spcBef>
+                <a:spcPct val="20000"/>
+              </a:spcBef>
+              <a:buFont typeface="Arial" pitchFamily="34" charset="0"/>
+              <a:buChar char="•"/>
+              <a:defRPr sz="2800" kern="1200">
+                <a:solidFill>
+                  <a:schemeClr val="tx1"/>
+                </a:solidFill>
+                <a:latin typeface="+mn-lt"/>
+                <a:ea typeface="+mn-ea"/>
+                <a:cs typeface="+mn-cs"/>
+              </a:defRPr>
+            </a:lvl1pPr>
+            <a:lvl2pPr marL="742950" indent="-285750" algn="l" defTabSz="914400" rtl="0" eaLnBrk="1" latinLnBrk="0" hangingPunct="1">
+              <a:spcBef>
+                <a:spcPct val="20000"/>
+              </a:spcBef>
+              <a:buFont typeface="Arial" pitchFamily="34" charset="0"/>
+              <a:buChar char="–"/>
+              <a:defRPr sz="2400" kern="1200">
+                <a:solidFill>
+                  <a:schemeClr val="tx1"/>
+                </a:solidFill>
+                <a:latin typeface="+mn-lt"/>
+                <a:ea typeface="+mn-ea"/>
+                <a:cs typeface="+mn-cs"/>
+              </a:defRPr>
+            </a:lvl2pPr>
+            <a:lvl3pPr marL="1143000" indent="-228600" algn="l" defTabSz="914400" rtl="0" eaLnBrk="1" latinLnBrk="0" hangingPunct="1">
+              <a:spcBef>
+                <a:spcPct val="20000"/>
+              </a:spcBef>
+              <a:buFont typeface="Arial" pitchFamily="34" charset="0"/>
+              <a:buChar char="•"/>
+              <a:defRPr sz="2000" kern="1200">
+                <a:solidFill>
+                  <a:schemeClr val="tx1"/>
+                </a:solidFill>
+                <a:latin typeface="+mn-lt"/>
+                <a:ea typeface="+mn-ea"/>
+                <a:cs typeface="+mn-cs"/>
+              </a:defRPr>
+            </a:lvl3pPr>
+            <a:lvl4pPr marL="1600200" indent="-228600" algn="l" defTabSz="914400" rtl="0" eaLnBrk="1" latinLnBrk="0" hangingPunct="1">
+              <a:spcBef>
+                <a:spcPct val="20000"/>
+              </a:spcBef>
+              <a:buFont typeface="Arial" pitchFamily="34" charset="0"/>
+              <a:buChar char="–"/>
+              <a:defRPr sz="1800" kern="1200">
+                <a:solidFill>
+                  <a:schemeClr val="tx1"/>
+                </a:solidFill>
+                <a:latin typeface="+mn-lt"/>
+                <a:ea typeface="+mn-ea"/>
+                <a:cs typeface="+mn-cs"/>
+              </a:defRPr>
+            </a:lvl4pPr>
+            <a:lvl5pPr marL="2057400" indent="-228600" algn="l" defTabSz="914400" rtl="0" eaLnBrk="1" latinLnBrk="0" hangingPunct="1">
+              <a:spcBef>
+                <a:spcPct val="20000"/>
+              </a:spcBef>
+              <a:buFont typeface="Arial" pitchFamily="34" charset="0"/>
+              <a:buChar char="»"/>
+              <a:defRPr sz="1800" kern="1200">
+                <a:solidFill>
+                  <a:schemeClr val="tx1"/>
+                </a:solidFill>
+                <a:latin typeface="+mn-lt"/>
+                <a:ea typeface="+mn-ea"/>
+                <a:cs typeface="+mn-cs"/>
+              </a:defRPr>
+            </a:lvl5pPr>
+            <a:lvl6pPr marL="2514600" indent="-228600" algn="l" defTabSz="914400" rtl="0" eaLnBrk="1" latinLnBrk="0" hangingPunct="1">
+              <a:spcBef>
+                <a:spcPct val="20000"/>
+              </a:spcBef>
+              <a:buFont typeface="Arial" pitchFamily="34" charset="0"/>
+              <a:buChar char="•"/>
+              <a:defRPr sz="1800" kern="1200">
+                <a:solidFill>
+                  <a:schemeClr val="tx1"/>
+                </a:solidFill>
+                <a:latin typeface="+mn-lt"/>
+                <a:ea typeface="+mn-ea"/>
+                <a:cs typeface="+mn-cs"/>
+              </a:defRPr>
+            </a:lvl6pPr>
+            <a:lvl7pPr marL="2971800" indent="-228600" algn="l" defTabSz="914400" rtl="0" eaLnBrk="1" latinLnBrk="0" hangingPunct="1">
+              <a:spcBef>
+                <a:spcPct val="20000"/>
+              </a:spcBef>
+              <a:buFont typeface="Arial" pitchFamily="34" charset="0"/>
+              <a:buChar char="•"/>
+              <a:defRPr sz="1800" kern="1200">
+                <a:solidFill>
+                  <a:schemeClr val="tx1"/>
+                </a:solidFill>
+                <a:latin typeface="+mn-lt"/>
+                <a:ea typeface="+mn-ea"/>
+                <a:cs typeface="+mn-cs"/>
+              </a:defRPr>
+            </a:lvl7pPr>
+            <a:lvl8pPr marL="3429000" indent="-228600" algn="l" defTabSz="914400" rtl="0" eaLnBrk="1" latinLnBrk="0" hangingPunct="1">
+              <a:spcBef>
+                <a:spcPct val="20000"/>
+              </a:spcBef>
+              <a:buFont typeface="Arial" pitchFamily="34" charset="0"/>
+              <a:buChar char="•"/>
+              <a:defRPr sz="1800" kern="1200">
+                <a:solidFill>
+                  <a:schemeClr val="tx1"/>
+                </a:solidFill>
+                <a:latin typeface="+mn-lt"/>
+                <a:ea typeface="+mn-ea"/>
+                <a:cs typeface="+mn-cs"/>
+              </a:defRPr>
+            </a:lvl8pPr>
+            <a:lvl9pPr marL="3886200" indent="-228600" algn="l" defTabSz="914400" rtl="0" eaLnBrk="1" latinLnBrk="0" hangingPunct="1">
+              <a:spcBef>
+                <a:spcPct val="20000"/>
+              </a:spcBef>
+              <a:buFont typeface="Arial" pitchFamily="34" charset="0"/>
+              <a:buChar char="•"/>
+              <a:defRPr sz="1800" kern="1200">
+                <a:solidFill>
+                  <a:schemeClr val="tx1"/>
+                </a:solidFill>
+                <a:latin typeface="+mn-lt"/>
+                <a:ea typeface="+mn-ea"/>
+                <a:cs typeface="+mn-cs"/>
+              </a:defRPr>
+            </a:lvl9pPr>
+          </a:lstStyle>
+          <a:p>
+            <a:pPr marL="457200" lvl="1" indent="0">
+              <a:buFont typeface="Arial" pitchFamily="34" charset="0"/>
+              <a:buNone/>
+            </a:pPr>
+            <a:r>
+              <a:rPr lang="pt-BR" sz="2000" dirty="0" smtClean="0"/>
+              <a:t>1.07 CO</a:t>
+            </a:r>
+            <a:r>
+              <a:rPr lang="pt-BR" sz="2000" baseline="-25000" dirty="0" smtClean="0"/>
+              <a:t>2</a:t>
+            </a:r>
+            <a:r>
+              <a:rPr lang="pt-BR" sz="2000" dirty="0" smtClean="0"/>
+              <a:t> + 4 H</a:t>
+            </a:r>
+            <a:r>
+              <a:rPr lang="pt-BR" sz="2000" baseline="-25000" dirty="0" smtClean="0"/>
+              <a:t>2</a:t>
+            </a:r>
+            <a:r>
+              <a:rPr lang="pt-BR" sz="2000" dirty="0" smtClean="0"/>
+              <a:t> </a:t>
+            </a:r>
+            <a:r>
+              <a:rPr lang="pt-BR" sz="2000" dirty="0" smtClean="0">
+                <a:sym typeface="Wingdings" panose="05000000000000000000" pitchFamily="2" charset="2"/>
+              </a:rPr>
+              <a:t></a:t>
+            </a:r>
+            <a:r>
+              <a:rPr lang="pt-BR" sz="2000" dirty="0" smtClean="0"/>
+              <a:t> 2.05 H</a:t>
+            </a:r>
+            <a:r>
+              <a:rPr lang="pt-BR" sz="2000" baseline="-25000" dirty="0" smtClean="0"/>
+              <a:t>2</a:t>
+            </a:r>
+            <a:r>
+              <a:rPr lang="pt-BR" sz="2000" dirty="0" smtClean="0"/>
+              <a:t>O + CH</a:t>
+            </a:r>
+            <a:r>
+              <a:rPr lang="pt-BR" sz="2000" baseline="-25000" dirty="0" smtClean="0"/>
+              <a:t>4</a:t>
+            </a:r>
+            <a:endParaRPr lang="en-US" sz="2000" baseline="-25000" dirty="0"/>
+          </a:p>
+        </p:txBody>
+      </p:sp>
+      <p:sp>
+        <p:nvSpPr>
+          <p:cNvPr id="8" name="Content Placeholder 4"/>
+          <p:cNvSpPr txBox="1">
+            <a:spLocks/>
+          </p:cNvSpPr>
+          <p:nvPr/>
+        </p:nvSpPr>
+        <p:spPr>
+          <a:xfrm>
+            <a:off x="4572000" y="4114800"/>
+            <a:ext cx="4495800" cy="533400"/>
+          </a:xfrm>
+          <a:prstGeom prst="rect">
+            <a:avLst/>
+          </a:prstGeom>
+        </p:spPr>
+        <p:txBody>
+          <a:bodyPr vert="horz" lIns="91440" tIns="45720" rIns="91440" bIns="45720" rtlCol="0">
+            <a:noAutofit/>
+          </a:bodyPr>
+          <a:lstStyle>
+            <a:lvl1pPr marL="342900" indent="-342900" algn="l" defTabSz="914400" rtl="0" eaLnBrk="1" latinLnBrk="0" hangingPunct="1">
+              <a:spcBef>
+                <a:spcPct val="20000"/>
+              </a:spcBef>
+              <a:buFont typeface="Arial" pitchFamily="34" charset="0"/>
+              <a:buChar char="•"/>
+              <a:defRPr sz="2800" kern="1200">
+                <a:solidFill>
+                  <a:schemeClr val="tx1"/>
+                </a:solidFill>
+                <a:latin typeface="+mn-lt"/>
+                <a:ea typeface="+mn-ea"/>
+                <a:cs typeface="+mn-cs"/>
+              </a:defRPr>
+            </a:lvl1pPr>
+            <a:lvl2pPr marL="742950" indent="-285750" algn="l" defTabSz="914400" rtl="0" eaLnBrk="1" latinLnBrk="0" hangingPunct="1">
+              <a:spcBef>
+                <a:spcPct val="20000"/>
+              </a:spcBef>
+              <a:buFont typeface="Arial" pitchFamily="34" charset="0"/>
+              <a:buChar char="–"/>
+              <a:defRPr sz="2400" kern="1200">
+                <a:solidFill>
+                  <a:schemeClr val="tx1"/>
+                </a:solidFill>
+                <a:latin typeface="+mn-lt"/>
+                <a:ea typeface="+mn-ea"/>
+                <a:cs typeface="+mn-cs"/>
+              </a:defRPr>
+            </a:lvl2pPr>
+            <a:lvl3pPr marL="1143000" indent="-228600" algn="l" defTabSz="914400" rtl="0" eaLnBrk="1" latinLnBrk="0" hangingPunct="1">
+              <a:spcBef>
+                <a:spcPct val="20000"/>
+              </a:spcBef>
+              <a:buFont typeface="Arial" pitchFamily="34" charset="0"/>
+              <a:buChar char="•"/>
+              <a:defRPr sz="2000" kern="1200">
+                <a:solidFill>
+                  <a:schemeClr val="tx1"/>
+                </a:solidFill>
+                <a:latin typeface="+mn-lt"/>
+                <a:ea typeface="+mn-ea"/>
+                <a:cs typeface="+mn-cs"/>
+              </a:defRPr>
+            </a:lvl3pPr>
+            <a:lvl4pPr marL="1600200" indent="-228600" algn="l" defTabSz="914400" rtl="0" eaLnBrk="1" latinLnBrk="0" hangingPunct="1">
+              <a:spcBef>
+                <a:spcPct val="20000"/>
+              </a:spcBef>
+              <a:buFont typeface="Arial" pitchFamily="34" charset="0"/>
+              <a:buChar char="–"/>
+              <a:defRPr sz="1800" kern="1200">
+                <a:solidFill>
+                  <a:schemeClr val="tx1"/>
+                </a:solidFill>
+                <a:latin typeface="+mn-lt"/>
+                <a:ea typeface="+mn-ea"/>
+                <a:cs typeface="+mn-cs"/>
+              </a:defRPr>
+            </a:lvl4pPr>
+            <a:lvl5pPr marL="2057400" indent="-228600" algn="l" defTabSz="914400" rtl="0" eaLnBrk="1" latinLnBrk="0" hangingPunct="1">
+              <a:spcBef>
+                <a:spcPct val="20000"/>
+              </a:spcBef>
+              <a:buFont typeface="Arial" pitchFamily="34" charset="0"/>
+              <a:buChar char="»"/>
+              <a:defRPr sz="1800" kern="1200">
+                <a:solidFill>
+                  <a:schemeClr val="tx1"/>
+                </a:solidFill>
+                <a:latin typeface="+mn-lt"/>
+                <a:ea typeface="+mn-ea"/>
+                <a:cs typeface="+mn-cs"/>
+              </a:defRPr>
+            </a:lvl5pPr>
+            <a:lvl6pPr marL="2514600" indent="-228600" algn="l" defTabSz="914400" rtl="0" eaLnBrk="1" latinLnBrk="0" hangingPunct="1">
+              <a:spcBef>
+                <a:spcPct val="20000"/>
+              </a:spcBef>
+              <a:buFont typeface="Arial" pitchFamily="34" charset="0"/>
+              <a:buChar char="•"/>
+              <a:defRPr sz="1800" kern="1200">
+                <a:solidFill>
+                  <a:schemeClr val="tx1"/>
+                </a:solidFill>
+                <a:latin typeface="+mn-lt"/>
+                <a:ea typeface="+mn-ea"/>
+                <a:cs typeface="+mn-cs"/>
+              </a:defRPr>
+            </a:lvl6pPr>
+            <a:lvl7pPr marL="2971800" indent="-228600" algn="l" defTabSz="914400" rtl="0" eaLnBrk="1" latinLnBrk="0" hangingPunct="1">
+              <a:spcBef>
+                <a:spcPct val="20000"/>
+              </a:spcBef>
+              <a:buFont typeface="Arial" pitchFamily="34" charset="0"/>
+              <a:buChar char="•"/>
+              <a:defRPr sz="1800" kern="1200">
+                <a:solidFill>
+                  <a:schemeClr val="tx1"/>
+                </a:solidFill>
+                <a:latin typeface="+mn-lt"/>
+                <a:ea typeface="+mn-ea"/>
+                <a:cs typeface="+mn-cs"/>
+              </a:defRPr>
+            </a:lvl7pPr>
+            <a:lvl8pPr marL="3429000" indent="-228600" algn="l" defTabSz="914400" rtl="0" eaLnBrk="1" latinLnBrk="0" hangingPunct="1">
+              <a:spcBef>
+                <a:spcPct val="20000"/>
+              </a:spcBef>
+              <a:buFont typeface="Arial" pitchFamily="34" charset="0"/>
+              <a:buChar char="•"/>
+              <a:defRPr sz="1800" kern="1200">
+                <a:solidFill>
+                  <a:schemeClr val="tx1"/>
+                </a:solidFill>
+                <a:latin typeface="+mn-lt"/>
+                <a:ea typeface="+mn-ea"/>
+                <a:cs typeface="+mn-cs"/>
+              </a:defRPr>
+            </a:lvl8pPr>
+            <a:lvl9pPr marL="3886200" indent="-228600" algn="l" defTabSz="914400" rtl="0" eaLnBrk="1" latinLnBrk="0" hangingPunct="1">
+              <a:spcBef>
+                <a:spcPct val="20000"/>
+              </a:spcBef>
+              <a:buFont typeface="Arial" pitchFamily="34" charset="0"/>
+              <a:buChar char="•"/>
+              <a:defRPr sz="1800" kern="1200">
+                <a:solidFill>
+                  <a:schemeClr val="tx1"/>
+                </a:solidFill>
+                <a:latin typeface="+mn-lt"/>
+                <a:ea typeface="+mn-ea"/>
+                <a:cs typeface="+mn-cs"/>
+              </a:defRPr>
+            </a:lvl9pPr>
+          </a:lstStyle>
+          <a:p>
+            <a:pPr marL="457200" lvl="1" indent="0">
+              <a:buFont typeface="Arial" pitchFamily="34" charset="0"/>
+              <a:buNone/>
+            </a:pPr>
+            <a:r>
+              <a:rPr lang="pt-BR" sz="2000" dirty="0" smtClean="0"/>
+              <a:t>1.11 CO</a:t>
+            </a:r>
+            <a:r>
+              <a:rPr lang="pt-BR" sz="2000" baseline="-25000" dirty="0" smtClean="0"/>
+              <a:t>2</a:t>
+            </a:r>
+            <a:r>
+              <a:rPr lang="pt-BR" sz="2000" dirty="0" smtClean="0"/>
+              <a:t> + 5 H</a:t>
+            </a:r>
+            <a:r>
+              <a:rPr lang="pt-BR" sz="2000" baseline="-25000" dirty="0" smtClean="0"/>
+              <a:t>2</a:t>
+            </a:r>
+            <a:r>
+              <a:rPr lang="pt-BR" sz="2000" dirty="0" smtClean="0"/>
+              <a:t> </a:t>
+            </a:r>
+            <a:r>
+              <a:rPr lang="pt-BR" sz="2000" dirty="0" smtClean="0">
+                <a:sym typeface="Wingdings" panose="05000000000000000000" pitchFamily="2" charset="2"/>
+              </a:rPr>
+              <a:t></a:t>
+            </a:r>
+            <a:r>
+              <a:rPr lang="pt-BR" sz="2000" dirty="0" smtClean="0"/>
+              <a:t> 2.08 H</a:t>
+            </a:r>
+            <a:r>
+              <a:rPr lang="pt-BR" sz="2000" baseline="-25000" dirty="0" smtClean="0"/>
+              <a:t>2</a:t>
+            </a:r>
+            <a:r>
+              <a:rPr lang="pt-BR" sz="2000" dirty="0" smtClean="0"/>
+              <a:t>O + CH</a:t>
+            </a:r>
+            <a:r>
+              <a:rPr lang="pt-BR" sz="2000" baseline="-25000" dirty="0" smtClean="0"/>
+              <a:t>4</a:t>
+            </a:r>
+            <a:endParaRPr lang="en-US" sz="2000" baseline="-25000" dirty="0"/>
+          </a:p>
+        </p:txBody>
+      </p:sp>
+    </p:spTree>
+    <p:extLst>
+      <p:ext uri="{BB962C8B-B14F-4D97-AF65-F5344CB8AC3E}">
+        <p14:creationId xmlns:p14="http://schemas.microsoft.com/office/powerpoint/2010/main" val="2415295239"/>
+      </p:ext>
+    </p:extLst>
+  </p:cSld>
+  <p:clrMapOvr>
+    <a:masterClrMapping/>
+  </p:clrMapOvr>
+  <p:timing>
+    <p:tnLst>
+      <p:par>
+        <p:cTn id="1" dur="indefinite" restart="never" nodeType="tmRoot"/>
+      </p:par>
+    </p:tnLst>
+  </p:timing>
+</p:sld>
+</file>
+
+<file path=ppt/slides/slide4.xml><?xml version="1.0" encoding="utf-8"?>
+<p:sld xmlns:a="http://schemas.openxmlformats.org/drawingml/2006/main" xmlns:r="http://schemas.openxmlformats.org/officeDocument/2006/relationships" xmlns:p="http://schemas.openxmlformats.org/presentationml/2006/main">
+  <p:cSld>
+    <p:spTree>
+      <p:nvGrpSpPr>
+        <p:cNvPr id="1" name=""/>
+        <p:cNvGrpSpPr/>
+        <p:nvPr/>
+      </p:nvGrpSpPr>
+      <p:grpSpPr>
+        <a:xfrm>
+          <a:off x="0" y="0"/>
+          <a:ext cx="0" cy="0"/>
+          <a:chOff x="0" y="0"/>
+          <a:chExt cx="0" cy="0"/>
+        </a:xfrm>
+      </p:grpSpPr>
+      <p:sp>
+        <p:nvSpPr>
+          <p:cNvPr id="2" name="Title 1"/>
+          <p:cNvSpPr>
+            <a:spLocks noGrp="1"/>
+          </p:cNvSpPr>
+          <p:nvPr>
+            <p:ph type="title"/>
+          </p:nvPr>
+        </p:nvSpPr>
+        <p:spPr/>
+        <p:txBody>
+          <a:bodyPr/>
+          <a:lstStyle/>
+          <a:p>
+            <a:r>
+              <a:rPr lang="en-US" dirty="0" smtClean="0"/>
+              <a:t>25 Added Reactions</a:t>
+            </a:r>
+            <a:endParaRPr lang="en-US" dirty="0"/>
+          </a:p>
+        </p:txBody>
+      </p:sp>
+      <p:sp>
+        <p:nvSpPr>
+          <p:cNvPr id="8" name="Content Placeholder 7"/>
+          <p:cNvSpPr>
+            <a:spLocks noGrp="1"/>
+          </p:cNvSpPr>
+          <p:nvPr>
+            <p:ph idx="1"/>
+          </p:nvPr>
+        </p:nvSpPr>
+        <p:spPr/>
+        <p:txBody>
+          <a:bodyPr>
+            <a:normAutofit lnSpcReduction="10000"/>
+          </a:bodyPr>
+          <a:lstStyle/>
+          <a:p>
+            <a:r>
+              <a:rPr lang="en-US" dirty="0" smtClean="0"/>
+              <a:t>Amino acid biosynthesis (9)</a:t>
+            </a:r>
+          </a:p>
+          <a:p>
+            <a:r>
+              <a:rPr lang="en-US" dirty="0" smtClean="0"/>
+              <a:t>Cofactors/Prosthetic Groups/Electron </a:t>
+            </a:r>
+            <a:r>
+              <a:rPr lang="en-US" dirty="0"/>
+              <a:t>Carriers </a:t>
+            </a:r>
+            <a:r>
+              <a:rPr lang="en-US" dirty="0" smtClean="0"/>
+              <a:t>Biosynthesis (6)</a:t>
+            </a:r>
+          </a:p>
+          <a:p>
+            <a:r>
+              <a:rPr lang="en-US" dirty="0" smtClean="0"/>
+              <a:t>Anaerobic respiration (5)</a:t>
+            </a:r>
+          </a:p>
+          <a:p>
+            <a:r>
+              <a:rPr lang="en-US" dirty="0" smtClean="0"/>
+              <a:t>Glycolysis (2)</a:t>
+            </a:r>
+          </a:p>
+          <a:p>
+            <a:r>
+              <a:rPr lang="en-US" dirty="0" smtClean="0"/>
+              <a:t>Methanogenesis from CO2 (1)</a:t>
+            </a:r>
+          </a:p>
+          <a:p>
+            <a:r>
+              <a:rPr lang="en-US" dirty="0" smtClean="0"/>
+              <a:t>Nitrogen fixation (1)</a:t>
+            </a:r>
+          </a:p>
+          <a:p>
+            <a:r>
+              <a:rPr lang="en-US" dirty="0" smtClean="0"/>
+              <a:t>Fermentation (1)</a:t>
+            </a:r>
+          </a:p>
+        </p:txBody>
+      </p:sp>
+    </p:spTree>
+    <p:extLst>
+      <p:ext uri="{BB962C8B-B14F-4D97-AF65-F5344CB8AC3E}">
+        <p14:creationId xmlns:p14="http://schemas.microsoft.com/office/powerpoint/2010/main" val="3664678303"/>
+      </p:ext>
+    </p:extLst>
+  </p:cSld>
+  <p:clrMapOvr>
+    <a:masterClrMapping/>
+  </p:clrMapOvr>
+  <p:timing>
+    <p:tnLst>
+      <p:par>
+        <p:cTn id="1" dur="indefinite" restart="never" nodeType="tmRoot"/>
+      </p:par>
+    </p:tnLst>
+  </p:timing>
+</p:sld>
+</file>
+
+<file path=ppt/slides/slide5.xml><?xml version="1.0" encoding="utf-8"?>
+<p:sld xmlns:a="http://schemas.openxmlformats.org/drawingml/2006/main" xmlns:r="http://schemas.openxmlformats.org/officeDocument/2006/relationships" xmlns:p="http://schemas.openxmlformats.org/presentationml/2006/main">
+  <p:cSld>
+    <p:spTree>
+      <p:nvGrpSpPr>
+        <p:cNvPr id="1" name=""/>
+        <p:cNvGrpSpPr/>
+        <p:nvPr/>
+      </p:nvGrpSpPr>
+      <p:grpSpPr>
+        <a:xfrm>
+          <a:off x="0" y="0"/>
+          <a:ext cx="0" cy="0"/>
+          <a:chOff x="0" y="0"/>
+          <a:chExt cx="0" cy="0"/>
+        </a:xfrm>
+      </p:grpSpPr>
+      <p:sp>
+        <p:nvSpPr>
+          <p:cNvPr id="2" name="Title 1"/>
+          <p:cNvSpPr>
+            <a:spLocks noGrp="1"/>
+          </p:cNvSpPr>
+          <p:nvPr>
+            <p:ph type="title"/>
+          </p:nvPr>
+        </p:nvSpPr>
+        <p:spPr/>
+        <p:txBody>
+          <a:bodyPr/>
+          <a:lstStyle/>
+          <a:p>
+            <a:r>
+              <a:rPr lang="en-US" dirty="0" smtClean="0"/>
+              <a:t>Dead End Reactions</a:t>
+            </a:r>
+            <a:endParaRPr lang="en-US" dirty="0"/>
+          </a:p>
+        </p:txBody>
+      </p:sp>
+      <p:sp>
+        <p:nvSpPr>
+          <p:cNvPr id="5" name="Content Placeholder 4"/>
+          <p:cNvSpPr>
+            <a:spLocks noGrp="1"/>
+          </p:cNvSpPr>
+          <p:nvPr>
+            <p:ph idx="1"/>
+          </p:nvPr>
+        </p:nvSpPr>
+        <p:spPr/>
+        <p:txBody>
+          <a:bodyPr/>
+          <a:lstStyle/>
+          <a:p>
+            <a:r>
+              <a:rPr lang="en-US" dirty="0"/>
+              <a:t>152 single dead end reactions (159 metabolites)</a:t>
+            </a:r>
+          </a:p>
+          <a:p>
+            <a:endParaRPr lang="en-US" dirty="0" smtClean="0"/>
+          </a:p>
+          <a:p>
+            <a:endParaRPr lang="en-US" dirty="0" smtClean="0"/>
+          </a:p>
+          <a:p>
+            <a:r>
+              <a:rPr lang="en-US" dirty="0" smtClean="0"/>
+              <a:t>32 double dead end reactions (65 metabolites)</a:t>
+            </a:r>
+          </a:p>
+          <a:p>
+            <a:endParaRPr lang="en-US" dirty="0"/>
+          </a:p>
+          <a:p>
+            <a:endParaRPr lang="en-US" dirty="0" smtClean="0"/>
+          </a:p>
+        </p:txBody>
+      </p:sp>
+      <p:grpSp>
+        <p:nvGrpSpPr>
+          <p:cNvPr id="19" name="Group 18"/>
+          <p:cNvGrpSpPr/>
+          <p:nvPr/>
+        </p:nvGrpSpPr>
+        <p:grpSpPr>
+          <a:xfrm>
+            <a:off x="3531230" y="2343912"/>
+            <a:ext cx="3021970" cy="1389888"/>
+            <a:chOff x="3105912" y="2343912"/>
+            <a:chExt cx="3021970" cy="1389888"/>
+          </a:xfrm>
+        </p:grpSpPr>
+        <p:cxnSp>
+          <p:nvCxnSpPr>
+            <p:cNvPr id="14" name="Straight Arrow Connector 13"/>
+            <p:cNvCxnSpPr/>
+            <p:nvPr/>
+          </p:nvCxnSpPr>
+          <p:spPr>
+            <a:xfrm>
+              <a:off x="3105912" y="3284627"/>
+              <a:ext cx="533400" cy="0"/>
+            </a:xfrm>
+            <a:prstGeom prst="straightConnector1">
+              <a:avLst/>
+            </a:prstGeom>
+            <a:ln w="28575">
+              <a:solidFill>
+                <a:schemeClr val="tx1"/>
+              </a:solidFill>
+              <a:headEnd type="none" w="med" len="med"/>
+              <a:tailEnd type="triangle" w="med" len="med"/>
+            </a:ln>
+          </p:spPr>
+          <p:style>
+            <a:lnRef idx="1">
+              <a:schemeClr val="accent1"/>
+            </a:lnRef>
+            <a:fillRef idx="0">
+              <a:schemeClr val="accent1"/>
+            </a:fillRef>
+            <a:effectRef idx="0">
+              <a:schemeClr val="accent1"/>
+            </a:effectRef>
+            <a:fontRef idx="minor">
+              <a:schemeClr val="tx1"/>
+            </a:fontRef>
+          </p:style>
+        </p:cxnSp>
+        <p:grpSp>
+          <p:nvGrpSpPr>
+            <p:cNvPr id="18" name="Group 17"/>
+            <p:cNvGrpSpPr/>
+            <p:nvPr/>
+          </p:nvGrpSpPr>
+          <p:grpSpPr>
+            <a:xfrm>
+              <a:off x="3105912" y="2343912"/>
+              <a:ext cx="3021970" cy="1389888"/>
+              <a:chOff x="3105912" y="2343912"/>
+              <a:chExt cx="3021970" cy="1389888"/>
+            </a:xfrm>
+          </p:grpSpPr>
+          <p:sp>
+            <p:nvSpPr>
+              <p:cNvPr id="6" name="Oval 5"/>
+              <p:cNvSpPr/>
+              <p:nvPr/>
+            </p:nvSpPr>
+            <p:spPr>
+              <a:xfrm>
+                <a:off x="3639312" y="2343912"/>
+                <a:ext cx="475488" cy="475488"/>
+              </a:xfrm>
+              <a:prstGeom prst="ellipse">
+                <a:avLst/>
+              </a:prstGeom>
+            </p:spPr>
+            <p:style>
+              <a:lnRef idx="2">
+                <a:schemeClr val="accent1">
+                  <a:shade val="50000"/>
+                </a:schemeClr>
+              </a:lnRef>
+              <a:fillRef idx="1">
+                <a:schemeClr val="accent1"/>
+              </a:fillRef>
+              <a:effectRef idx="0">
+                <a:schemeClr val="accent1"/>
+              </a:effectRef>
+              <a:fontRef idx="minor">
+                <a:schemeClr val="lt1"/>
+              </a:fontRef>
+            </p:style>
+            <p:txBody>
+              <a:bodyPr rtlCol="0" anchor="ctr"/>
+              <a:lstStyle/>
+              <a:p>
+                <a:pPr algn="ctr"/>
+                <a:r>
+                  <a:rPr lang="en-US" dirty="0" smtClean="0"/>
+                  <a:t>A</a:t>
+                </a:r>
+                <a:endParaRPr lang="en-US" dirty="0"/>
+              </a:p>
+            </p:txBody>
+          </p:sp>
+          <p:cxnSp>
+            <p:nvCxnSpPr>
+              <p:cNvPr id="7" name="Curved Connector 6"/>
+              <p:cNvCxnSpPr/>
+              <p:nvPr/>
+            </p:nvCxnSpPr>
+            <p:spPr>
+              <a:xfrm rot="16200000" flipH="1">
+                <a:off x="4613034" y="2644255"/>
+                <a:ext cx="18288" cy="1014756"/>
+              </a:xfrm>
+              <a:prstGeom prst="curvedConnector3">
+                <a:avLst>
+                  <a:gd name="adj1" fmla="val -1024285"/>
+                </a:avLst>
+              </a:prstGeom>
+              <a:ln w="28575">
+                <a:headEnd type="none" w="med" len="med"/>
+                <a:tailEnd type="triangle" w="med" len="med"/>
+              </a:ln>
+            </p:spPr>
+            <p:style>
+              <a:lnRef idx="1">
+                <a:schemeClr val="dk1"/>
+              </a:lnRef>
+              <a:fillRef idx="0">
+                <a:schemeClr val="dk1"/>
+              </a:fillRef>
+              <a:effectRef idx="0">
+                <a:schemeClr val="dk1"/>
+              </a:effectRef>
+              <a:fontRef idx="minor">
+                <a:schemeClr val="tx1"/>
+              </a:fontRef>
+            </p:style>
+          </p:cxnSp>
+          <p:cxnSp>
+            <p:nvCxnSpPr>
+              <p:cNvPr id="8" name="Curved Connector 7"/>
+              <p:cNvCxnSpPr/>
+              <p:nvPr/>
+            </p:nvCxnSpPr>
+            <p:spPr>
+              <a:xfrm rot="5400000" flipH="1" flipV="1">
+                <a:off x="4602472" y="2244966"/>
+                <a:ext cx="18288" cy="1014756"/>
+              </a:xfrm>
+              <a:prstGeom prst="curvedConnector3">
+                <a:avLst>
+                  <a:gd name="adj1" fmla="val -1024285"/>
+                </a:avLst>
+              </a:prstGeom>
+              <a:ln w="28575">
+                <a:headEnd type="none" w="med" len="med"/>
+                <a:tailEnd type="triangle" w="med" len="med"/>
+              </a:ln>
+            </p:spPr>
+            <p:style>
+              <a:lnRef idx="1">
+                <a:schemeClr val="dk1"/>
+              </a:lnRef>
+              <a:fillRef idx="0">
+                <a:schemeClr val="dk1"/>
+              </a:fillRef>
+              <a:effectRef idx="0">
+                <a:schemeClr val="dk1"/>
+              </a:effectRef>
+              <a:fontRef idx="minor">
+                <a:schemeClr val="tx1"/>
+              </a:fontRef>
+            </p:style>
+          </p:cxnSp>
+          <p:sp>
+            <p:nvSpPr>
+              <p:cNvPr id="9" name="Oval 8"/>
+              <p:cNvSpPr/>
+              <p:nvPr/>
+            </p:nvSpPr>
+            <p:spPr>
+              <a:xfrm>
+                <a:off x="3657600" y="3029712"/>
+                <a:ext cx="475488" cy="475488"/>
+              </a:xfrm>
+              <a:prstGeom prst="ellipse">
+                <a:avLst/>
+              </a:prstGeom>
+            </p:spPr>
+            <p:style>
+              <a:lnRef idx="2">
+                <a:schemeClr val="accent2">
+                  <a:shade val="50000"/>
+                </a:schemeClr>
+              </a:lnRef>
+              <a:fillRef idx="1">
+                <a:schemeClr val="accent2"/>
+              </a:fillRef>
+              <a:effectRef idx="0">
+                <a:schemeClr val="accent2"/>
+              </a:effectRef>
+              <a:fontRef idx="minor">
+                <a:schemeClr val="lt1"/>
+              </a:fontRef>
+            </p:style>
+            <p:txBody>
+              <a:bodyPr rtlCol="0" anchor="ctr"/>
+              <a:lstStyle/>
+              <a:p>
+                <a:pPr algn="ctr"/>
+                <a:r>
+                  <a:rPr lang="en-US" dirty="0"/>
+                  <a:t>B</a:t>
+                </a:r>
+                <a:endParaRPr lang="en-US" dirty="0"/>
+              </a:p>
+            </p:txBody>
+          </p:sp>
+          <p:sp>
+            <p:nvSpPr>
+              <p:cNvPr id="10" name="Oval 9"/>
+              <p:cNvSpPr/>
+              <p:nvPr/>
+            </p:nvSpPr>
+            <p:spPr>
+              <a:xfrm>
+                <a:off x="5105400" y="2343912"/>
+                <a:ext cx="475488" cy="475488"/>
+              </a:xfrm>
+              <a:prstGeom prst="ellipse">
+                <a:avLst/>
+              </a:prstGeom>
+            </p:spPr>
+            <p:style>
+              <a:lnRef idx="2">
+                <a:schemeClr val="accent3">
+                  <a:shade val="50000"/>
+                </a:schemeClr>
+              </a:lnRef>
+              <a:fillRef idx="1">
+                <a:schemeClr val="accent3"/>
+              </a:fillRef>
+              <a:effectRef idx="0">
+                <a:schemeClr val="accent3"/>
+              </a:effectRef>
+              <a:fontRef idx="minor">
+                <a:schemeClr val="lt1"/>
+              </a:fontRef>
+            </p:style>
+            <p:txBody>
+              <a:bodyPr rtlCol="0" anchor="ctr"/>
+              <a:lstStyle/>
+              <a:p>
+                <a:pPr algn="ctr"/>
+                <a:r>
+                  <a:rPr lang="en-US" dirty="0"/>
+                  <a:t>C</a:t>
+                </a:r>
+                <a:endParaRPr lang="en-US" dirty="0"/>
+              </a:p>
+            </p:txBody>
+          </p:sp>
+          <p:sp>
+            <p:nvSpPr>
+              <p:cNvPr id="11" name="Oval 10"/>
+              <p:cNvSpPr/>
+              <p:nvPr/>
+            </p:nvSpPr>
+            <p:spPr>
+              <a:xfrm>
+                <a:off x="5118994" y="3029712"/>
+                <a:ext cx="475488" cy="475488"/>
+              </a:xfrm>
+              <a:prstGeom prst="ellipse">
+                <a:avLst/>
+              </a:prstGeom>
+            </p:spPr>
+            <p:style>
+              <a:lnRef idx="2">
+                <a:schemeClr val="accent4">
+                  <a:shade val="50000"/>
+                </a:schemeClr>
+              </a:lnRef>
+              <a:fillRef idx="1">
+                <a:schemeClr val="accent4"/>
+              </a:fillRef>
+              <a:effectRef idx="0">
+                <a:schemeClr val="accent4"/>
+              </a:effectRef>
+              <a:fontRef idx="minor">
+                <a:schemeClr val="lt1"/>
+              </a:fontRef>
+            </p:style>
+            <p:txBody>
+              <a:bodyPr rtlCol="0" anchor="ctr"/>
+              <a:lstStyle/>
+              <a:p>
+                <a:pPr algn="ctr"/>
+                <a:r>
+                  <a:rPr lang="en-US" dirty="0" smtClean="0"/>
+                  <a:t>D</a:t>
+                </a:r>
+                <a:endParaRPr lang="en-US" dirty="0"/>
+              </a:p>
+            </p:txBody>
+          </p:sp>
+          <p:cxnSp>
+            <p:nvCxnSpPr>
+              <p:cNvPr id="13" name="Straight Arrow Connector 12"/>
+              <p:cNvCxnSpPr/>
+              <p:nvPr/>
+            </p:nvCxnSpPr>
+            <p:spPr>
+              <a:xfrm>
+                <a:off x="3105912" y="2589864"/>
+                <a:ext cx="533400" cy="0"/>
+              </a:xfrm>
+              <a:prstGeom prst="straightConnector1">
+                <a:avLst/>
+              </a:prstGeom>
+              <a:ln w="28575">
+                <a:solidFill>
+                  <a:schemeClr val="tx1"/>
+                </a:solidFill>
+                <a:headEnd type="none" w="med" len="med"/>
+                <a:tailEnd type="triangle" w="med" len="med"/>
+              </a:ln>
+            </p:spPr>
+            <p:style>
+              <a:lnRef idx="1">
+                <a:schemeClr val="accent1"/>
+              </a:lnRef>
+              <a:fillRef idx="0">
+                <a:schemeClr val="accent1"/>
+              </a:fillRef>
+              <a:effectRef idx="0">
+                <a:schemeClr val="accent1"/>
+              </a:effectRef>
+              <a:fontRef idx="minor">
+                <a:schemeClr val="tx1"/>
+              </a:fontRef>
+            </p:style>
+          </p:cxnSp>
+          <p:cxnSp>
+            <p:nvCxnSpPr>
+              <p:cNvPr id="15" name="Straight Arrow Connector 14"/>
+              <p:cNvCxnSpPr/>
+              <p:nvPr/>
+            </p:nvCxnSpPr>
+            <p:spPr>
+              <a:xfrm>
+                <a:off x="5580888" y="2589864"/>
+                <a:ext cx="533400" cy="0"/>
+              </a:xfrm>
+              <a:prstGeom prst="straightConnector1">
+                <a:avLst/>
+              </a:prstGeom>
+              <a:ln w="28575">
+                <a:solidFill>
+                  <a:schemeClr val="tx1"/>
+                </a:solidFill>
+                <a:headEnd type="none" w="med" len="med"/>
+                <a:tailEnd type="triangle" w="med" len="med"/>
+              </a:ln>
+            </p:spPr>
+            <p:style>
+              <a:lnRef idx="1">
+                <a:schemeClr val="accent1"/>
+              </a:lnRef>
+              <a:fillRef idx="0">
+                <a:schemeClr val="accent1"/>
+              </a:fillRef>
+              <a:effectRef idx="0">
+                <a:schemeClr val="accent1"/>
+              </a:effectRef>
+              <a:fontRef idx="minor">
+                <a:schemeClr val="tx1"/>
+              </a:fontRef>
+            </p:style>
+          </p:cxnSp>
+          <p:cxnSp>
+            <p:nvCxnSpPr>
+              <p:cNvPr id="16" name="Straight Arrow Connector 15"/>
+              <p:cNvCxnSpPr/>
+              <p:nvPr/>
+            </p:nvCxnSpPr>
+            <p:spPr>
+              <a:xfrm>
+                <a:off x="5594482" y="3284627"/>
+                <a:ext cx="533400" cy="0"/>
+              </a:xfrm>
+              <a:prstGeom prst="straightConnector1">
+                <a:avLst/>
+              </a:prstGeom>
+              <a:ln w="28575">
+                <a:solidFill>
+                  <a:schemeClr val="tx1"/>
+                </a:solidFill>
+                <a:headEnd type="none" w="med" len="med"/>
+                <a:tailEnd type="triangle" w="med" len="med"/>
+              </a:ln>
+            </p:spPr>
+            <p:style>
+              <a:lnRef idx="1">
+                <a:schemeClr val="accent1"/>
+              </a:lnRef>
+              <a:fillRef idx="0">
+                <a:schemeClr val="accent1"/>
+              </a:fillRef>
+              <a:effectRef idx="0">
+                <a:schemeClr val="accent1"/>
+              </a:effectRef>
+              <a:fontRef idx="minor">
+                <a:schemeClr val="tx1"/>
+              </a:fontRef>
+            </p:style>
+          </p:cxnSp>
+          <p:sp>
+            <p:nvSpPr>
+              <p:cNvPr id="17" name="TextBox 16"/>
+              <p:cNvSpPr txBox="1"/>
+              <p:nvPr/>
+            </p:nvSpPr>
+            <p:spPr>
+              <a:xfrm>
+                <a:off x="3124200" y="2718137"/>
+                <a:ext cx="538930" cy="1015663"/>
+              </a:xfrm>
+              <a:prstGeom prst="rect">
+                <a:avLst/>
+              </a:prstGeom>
+              <a:noFill/>
+            </p:spPr>
+            <p:txBody>
+              <a:bodyPr wrap="none" rtlCol="0">
+                <a:spAutoFit/>
+              </a:bodyPr>
+              <a:lstStyle/>
+              <a:p>
+                <a:r>
+                  <a:rPr lang="en-US" sz="6000" b="1" dirty="0">
+                    <a:solidFill>
+                      <a:srgbClr val="FF0000"/>
+                    </a:solidFill>
+                  </a:rPr>
+                  <a:t>x</a:t>
+                </a:r>
+                <a:endParaRPr lang="en-US" sz="6000" b="1" dirty="0">
+                  <a:solidFill>
+                    <a:srgbClr val="FF0000"/>
+                  </a:solidFill>
+                </a:endParaRPr>
+              </a:p>
+            </p:txBody>
+          </p:sp>
+        </p:grpSp>
+      </p:grpSp>
+      <p:grpSp>
+        <p:nvGrpSpPr>
+          <p:cNvPr id="20" name="Group 19"/>
+          <p:cNvGrpSpPr/>
+          <p:nvPr/>
+        </p:nvGrpSpPr>
+        <p:grpSpPr>
+          <a:xfrm>
+            <a:off x="3531230" y="4782312"/>
+            <a:ext cx="3021970" cy="1389888"/>
+            <a:chOff x="3105912" y="2343912"/>
+            <a:chExt cx="3021970" cy="1389888"/>
+          </a:xfrm>
+        </p:grpSpPr>
+        <p:cxnSp>
+          <p:nvCxnSpPr>
+            <p:cNvPr id="21" name="Straight Arrow Connector 20"/>
+            <p:cNvCxnSpPr/>
+            <p:nvPr/>
+          </p:nvCxnSpPr>
+          <p:spPr>
+            <a:xfrm>
+              <a:off x="3105912" y="3284627"/>
+              <a:ext cx="533400" cy="0"/>
+            </a:xfrm>
+            <a:prstGeom prst="straightConnector1">
+              <a:avLst/>
+            </a:prstGeom>
+            <a:ln w="28575">
+              <a:solidFill>
+                <a:schemeClr val="tx1"/>
+              </a:solidFill>
+              <a:headEnd type="none" w="med" len="med"/>
+              <a:tailEnd type="triangle" w="med" len="med"/>
+            </a:ln>
+          </p:spPr>
+          <p:style>
+            <a:lnRef idx="1">
+              <a:schemeClr val="accent1"/>
+            </a:lnRef>
+            <a:fillRef idx="0">
+              <a:schemeClr val="accent1"/>
+            </a:fillRef>
+            <a:effectRef idx="0">
+              <a:schemeClr val="accent1"/>
+            </a:effectRef>
+            <a:fontRef idx="minor">
+              <a:schemeClr val="tx1"/>
+            </a:fontRef>
+          </p:style>
+        </p:cxnSp>
+        <p:grpSp>
+          <p:nvGrpSpPr>
+            <p:cNvPr id="22" name="Group 21"/>
+            <p:cNvGrpSpPr/>
+            <p:nvPr/>
+          </p:nvGrpSpPr>
+          <p:grpSpPr>
+            <a:xfrm>
+              <a:off x="3105912" y="2343912"/>
+              <a:ext cx="3021970" cy="1389888"/>
+              <a:chOff x="3105912" y="2343912"/>
+              <a:chExt cx="3021970" cy="1389888"/>
+            </a:xfrm>
+          </p:grpSpPr>
+          <p:sp>
+            <p:nvSpPr>
+              <p:cNvPr id="23" name="Oval 22"/>
+              <p:cNvSpPr/>
+              <p:nvPr/>
+            </p:nvSpPr>
+            <p:spPr>
+              <a:xfrm>
+                <a:off x="3639312" y="2343912"/>
+                <a:ext cx="475488" cy="475488"/>
+              </a:xfrm>
+              <a:prstGeom prst="ellipse">
+                <a:avLst/>
+              </a:prstGeom>
+            </p:spPr>
+            <p:style>
+              <a:lnRef idx="2">
+                <a:schemeClr val="accent1">
+                  <a:shade val="50000"/>
+                </a:schemeClr>
+              </a:lnRef>
+              <a:fillRef idx="1">
+                <a:schemeClr val="accent1"/>
+              </a:fillRef>
+              <a:effectRef idx="0">
+                <a:schemeClr val="accent1"/>
+              </a:effectRef>
+              <a:fontRef idx="minor">
+                <a:schemeClr val="lt1"/>
+              </a:fontRef>
+            </p:style>
+            <p:txBody>
+              <a:bodyPr rtlCol="0" anchor="ctr"/>
+              <a:lstStyle/>
+              <a:p>
+                <a:pPr algn="ctr"/>
+                <a:r>
+                  <a:rPr lang="en-US" dirty="0" smtClean="0"/>
+                  <a:t>A</a:t>
+                </a:r>
+                <a:endParaRPr lang="en-US" dirty="0"/>
+              </a:p>
+            </p:txBody>
+          </p:sp>
+          <p:cxnSp>
+            <p:nvCxnSpPr>
+              <p:cNvPr id="24" name="Curved Connector 23"/>
+              <p:cNvCxnSpPr/>
+              <p:nvPr/>
+            </p:nvCxnSpPr>
+            <p:spPr>
+              <a:xfrm rot="16200000" flipH="1">
+                <a:off x="4613034" y="2644255"/>
+                <a:ext cx="18288" cy="1014756"/>
+              </a:xfrm>
+              <a:prstGeom prst="curvedConnector3">
+                <a:avLst>
+                  <a:gd name="adj1" fmla="val -1024285"/>
+                </a:avLst>
+              </a:prstGeom>
+              <a:ln w="28575">
+                <a:headEnd type="none" w="med" len="med"/>
+                <a:tailEnd type="triangle" w="med" len="med"/>
+              </a:ln>
+            </p:spPr>
+            <p:style>
+              <a:lnRef idx="1">
+                <a:schemeClr val="dk1"/>
+              </a:lnRef>
+              <a:fillRef idx="0">
+                <a:schemeClr val="dk1"/>
+              </a:fillRef>
+              <a:effectRef idx="0">
+                <a:schemeClr val="dk1"/>
+              </a:effectRef>
+              <a:fontRef idx="minor">
+                <a:schemeClr val="tx1"/>
+              </a:fontRef>
+            </p:style>
+          </p:cxnSp>
+          <p:cxnSp>
+            <p:nvCxnSpPr>
+              <p:cNvPr id="25" name="Curved Connector 24"/>
+              <p:cNvCxnSpPr/>
+              <p:nvPr/>
+            </p:nvCxnSpPr>
+            <p:spPr>
+              <a:xfrm rot="5400000" flipH="1" flipV="1">
+                <a:off x="4602472" y="2244966"/>
+                <a:ext cx="18288" cy="1014756"/>
+              </a:xfrm>
+              <a:prstGeom prst="curvedConnector3">
+                <a:avLst>
+                  <a:gd name="adj1" fmla="val -1024285"/>
+                </a:avLst>
+              </a:prstGeom>
+              <a:ln w="28575">
+                <a:headEnd type="none" w="med" len="med"/>
+                <a:tailEnd type="triangle" w="med" len="med"/>
+              </a:ln>
+            </p:spPr>
+            <p:style>
+              <a:lnRef idx="1">
+                <a:schemeClr val="dk1"/>
+              </a:lnRef>
+              <a:fillRef idx="0">
+                <a:schemeClr val="dk1"/>
+              </a:fillRef>
+              <a:effectRef idx="0">
+                <a:schemeClr val="dk1"/>
+              </a:effectRef>
+              <a:fontRef idx="minor">
+                <a:schemeClr val="tx1"/>
+              </a:fontRef>
+            </p:style>
+          </p:cxnSp>
+          <p:sp>
+            <p:nvSpPr>
+              <p:cNvPr id="26" name="Oval 25"/>
+              <p:cNvSpPr/>
+              <p:nvPr/>
+            </p:nvSpPr>
+            <p:spPr>
+              <a:xfrm>
+                <a:off x="3657600" y="3029712"/>
+                <a:ext cx="475488" cy="475488"/>
+              </a:xfrm>
+              <a:prstGeom prst="ellipse">
+                <a:avLst/>
+              </a:prstGeom>
+            </p:spPr>
+            <p:style>
+              <a:lnRef idx="2">
+                <a:schemeClr val="accent2">
+                  <a:shade val="50000"/>
+                </a:schemeClr>
+              </a:lnRef>
+              <a:fillRef idx="1">
+                <a:schemeClr val="accent2"/>
+              </a:fillRef>
+              <a:effectRef idx="0">
+                <a:schemeClr val="accent2"/>
+              </a:effectRef>
+              <a:fontRef idx="minor">
+                <a:schemeClr val="lt1"/>
+              </a:fontRef>
+            </p:style>
+            <p:txBody>
+              <a:bodyPr rtlCol="0" anchor="ctr"/>
+              <a:lstStyle/>
+              <a:p>
+                <a:pPr algn="ctr"/>
+                <a:r>
+                  <a:rPr lang="en-US" dirty="0"/>
+                  <a:t>B</a:t>
+                </a:r>
+                <a:endParaRPr lang="en-US" dirty="0"/>
+              </a:p>
+            </p:txBody>
+          </p:sp>
+          <p:sp>
+            <p:nvSpPr>
+              <p:cNvPr id="27" name="Oval 26"/>
+              <p:cNvSpPr/>
+              <p:nvPr/>
+            </p:nvSpPr>
+            <p:spPr>
+              <a:xfrm>
+                <a:off x="5105400" y="2343912"/>
+                <a:ext cx="475488" cy="475488"/>
+              </a:xfrm>
+              <a:prstGeom prst="ellipse">
+                <a:avLst/>
+              </a:prstGeom>
+            </p:spPr>
+            <p:style>
+              <a:lnRef idx="2">
+                <a:schemeClr val="accent3">
+                  <a:shade val="50000"/>
+                </a:schemeClr>
+              </a:lnRef>
+              <a:fillRef idx="1">
+                <a:schemeClr val="accent3"/>
+              </a:fillRef>
+              <a:effectRef idx="0">
+                <a:schemeClr val="accent3"/>
+              </a:effectRef>
+              <a:fontRef idx="minor">
+                <a:schemeClr val="lt1"/>
+              </a:fontRef>
+            </p:style>
+            <p:txBody>
+              <a:bodyPr rtlCol="0" anchor="ctr"/>
+              <a:lstStyle/>
+              <a:p>
+                <a:pPr algn="ctr"/>
+                <a:r>
+                  <a:rPr lang="en-US" dirty="0"/>
+                  <a:t>C</a:t>
+                </a:r>
+                <a:endParaRPr lang="en-US" dirty="0"/>
+              </a:p>
+            </p:txBody>
+          </p:sp>
+          <p:sp>
+            <p:nvSpPr>
+              <p:cNvPr id="28" name="Oval 27"/>
+              <p:cNvSpPr/>
+              <p:nvPr/>
+            </p:nvSpPr>
+            <p:spPr>
+              <a:xfrm>
+                <a:off x="5118994" y="3029712"/>
+                <a:ext cx="475488" cy="475488"/>
+              </a:xfrm>
+              <a:prstGeom prst="ellipse">
+                <a:avLst/>
+              </a:prstGeom>
+            </p:spPr>
+            <p:style>
+              <a:lnRef idx="2">
+                <a:schemeClr val="accent4">
+                  <a:shade val="50000"/>
+                </a:schemeClr>
+              </a:lnRef>
+              <a:fillRef idx="1">
+                <a:schemeClr val="accent4"/>
+              </a:fillRef>
+              <a:effectRef idx="0">
+                <a:schemeClr val="accent4"/>
+              </a:effectRef>
+              <a:fontRef idx="minor">
+                <a:schemeClr val="lt1"/>
+              </a:fontRef>
+            </p:style>
+            <p:txBody>
+              <a:bodyPr rtlCol="0" anchor="ctr"/>
+              <a:lstStyle/>
+              <a:p>
+                <a:pPr algn="ctr"/>
+                <a:r>
+                  <a:rPr lang="en-US" dirty="0" smtClean="0"/>
+                  <a:t>D</a:t>
+                </a:r>
+                <a:endParaRPr lang="en-US" dirty="0"/>
+              </a:p>
+            </p:txBody>
+          </p:sp>
+          <p:cxnSp>
+            <p:nvCxnSpPr>
+              <p:cNvPr id="29" name="Straight Arrow Connector 28"/>
+              <p:cNvCxnSpPr/>
+              <p:nvPr/>
+            </p:nvCxnSpPr>
+            <p:spPr>
+              <a:xfrm>
+                <a:off x="3105912" y="2589864"/>
+                <a:ext cx="533400" cy="0"/>
+              </a:xfrm>
+              <a:prstGeom prst="straightConnector1">
+                <a:avLst/>
+              </a:prstGeom>
+              <a:ln w="28575">
+                <a:solidFill>
+                  <a:schemeClr val="tx1"/>
+                </a:solidFill>
+                <a:headEnd type="none" w="med" len="med"/>
+                <a:tailEnd type="triangle" w="med" len="med"/>
+              </a:ln>
+            </p:spPr>
+            <p:style>
+              <a:lnRef idx="1">
+                <a:schemeClr val="accent1"/>
+              </a:lnRef>
+              <a:fillRef idx="0">
+                <a:schemeClr val="accent1"/>
+              </a:fillRef>
+              <a:effectRef idx="0">
+                <a:schemeClr val="accent1"/>
+              </a:effectRef>
+              <a:fontRef idx="minor">
+                <a:schemeClr val="tx1"/>
+              </a:fontRef>
+            </p:style>
+          </p:cxnSp>
+          <p:cxnSp>
+            <p:nvCxnSpPr>
+              <p:cNvPr id="30" name="Straight Arrow Connector 29"/>
+              <p:cNvCxnSpPr/>
+              <p:nvPr/>
+            </p:nvCxnSpPr>
+            <p:spPr>
+              <a:xfrm>
+                <a:off x="5580888" y="2589864"/>
+                <a:ext cx="533400" cy="0"/>
+              </a:xfrm>
+              <a:prstGeom prst="straightConnector1">
+                <a:avLst/>
+              </a:prstGeom>
+              <a:ln w="28575">
+                <a:solidFill>
+                  <a:schemeClr val="tx1"/>
+                </a:solidFill>
+                <a:headEnd type="none" w="med" len="med"/>
+                <a:tailEnd type="triangle" w="med" len="med"/>
+              </a:ln>
+            </p:spPr>
+            <p:style>
+              <a:lnRef idx="1">
+                <a:schemeClr val="accent1"/>
+              </a:lnRef>
+              <a:fillRef idx="0">
+                <a:schemeClr val="accent1"/>
+              </a:fillRef>
+              <a:effectRef idx="0">
+                <a:schemeClr val="accent1"/>
+              </a:effectRef>
+              <a:fontRef idx="minor">
+                <a:schemeClr val="tx1"/>
+              </a:fontRef>
+            </p:style>
+          </p:cxnSp>
+          <p:cxnSp>
+            <p:nvCxnSpPr>
+              <p:cNvPr id="31" name="Straight Arrow Connector 30"/>
+              <p:cNvCxnSpPr/>
+              <p:nvPr/>
+            </p:nvCxnSpPr>
+            <p:spPr>
+              <a:xfrm>
+                <a:off x="5594482" y="3284627"/>
+                <a:ext cx="533400" cy="0"/>
+              </a:xfrm>
+              <a:prstGeom prst="straightConnector1">
+                <a:avLst/>
+              </a:prstGeom>
+              <a:ln w="28575">
+                <a:solidFill>
+                  <a:schemeClr val="tx1"/>
+                </a:solidFill>
+                <a:headEnd type="none" w="med" len="med"/>
+                <a:tailEnd type="triangle" w="med" len="med"/>
+              </a:ln>
+            </p:spPr>
+            <p:style>
+              <a:lnRef idx="1">
+                <a:schemeClr val="accent1"/>
+              </a:lnRef>
+              <a:fillRef idx="0">
+                <a:schemeClr val="accent1"/>
+              </a:fillRef>
+              <a:effectRef idx="0">
+                <a:schemeClr val="accent1"/>
+              </a:effectRef>
+              <a:fontRef idx="minor">
+                <a:schemeClr val="tx1"/>
+              </a:fontRef>
+            </p:style>
+          </p:cxnSp>
+          <p:sp>
+            <p:nvSpPr>
+              <p:cNvPr id="32" name="TextBox 31"/>
+              <p:cNvSpPr txBox="1"/>
+              <p:nvPr/>
+            </p:nvSpPr>
+            <p:spPr>
+              <a:xfrm>
+                <a:off x="3124200" y="2718137"/>
+                <a:ext cx="538930" cy="1015663"/>
+              </a:xfrm>
+              <a:prstGeom prst="rect">
+                <a:avLst/>
+              </a:prstGeom>
+              <a:noFill/>
+            </p:spPr>
+            <p:txBody>
+              <a:bodyPr wrap="none" rtlCol="0">
+                <a:spAutoFit/>
+              </a:bodyPr>
+              <a:lstStyle/>
+              <a:p>
+                <a:r>
+                  <a:rPr lang="en-US" sz="6000" b="1" dirty="0">
+                    <a:solidFill>
+                      <a:srgbClr val="FF0000"/>
+                    </a:solidFill>
+                  </a:rPr>
+                  <a:t>x</a:t>
+                </a:r>
+                <a:endParaRPr lang="en-US" sz="6000" b="1" dirty="0">
+                  <a:solidFill>
+                    <a:srgbClr val="FF0000"/>
+                  </a:solidFill>
+                </a:endParaRPr>
+              </a:p>
+            </p:txBody>
+          </p:sp>
+        </p:grpSp>
+      </p:grpSp>
+      <p:sp>
+        <p:nvSpPr>
+          <p:cNvPr id="33" name="TextBox 32"/>
+          <p:cNvSpPr txBox="1"/>
+          <p:nvPr/>
+        </p:nvSpPr>
+        <p:spPr>
+          <a:xfrm>
+            <a:off x="5974324" y="4470737"/>
+            <a:ext cx="538930" cy="1015663"/>
+          </a:xfrm>
+          <a:prstGeom prst="rect">
+            <a:avLst/>
+          </a:prstGeom>
+          <a:noFill/>
+        </p:spPr>
+        <p:txBody>
+          <a:bodyPr wrap="none" rtlCol="0">
+            <a:spAutoFit/>
+          </a:bodyPr>
+          <a:lstStyle/>
+          <a:p>
+            <a:r>
+              <a:rPr lang="en-US" sz="6000" b="1" dirty="0">
+                <a:solidFill>
+                  <a:srgbClr val="FF0000"/>
+                </a:solidFill>
+              </a:rPr>
+              <a:t>x</a:t>
+            </a:r>
+            <a:endParaRPr lang="en-US" sz="6000" b="1" dirty="0">
+              <a:solidFill>
+                <a:srgbClr val="FF0000"/>
+              </a:solidFill>
+            </a:endParaRPr>
+          </a:p>
+        </p:txBody>
+      </p:sp>
+    </p:spTree>
+    <p:extLst>
+      <p:ext uri="{BB962C8B-B14F-4D97-AF65-F5344CB8AC3E}">
+        <p14:creationId xmlns:p14="http://schemas.microsoft.com/office/powerpoint/2010/main" val="1755488606"/>
+      </p:ext>
+    </p:extLst>
+  </p:cSld>
+  <p:clrMapOvr>
+    <a:masterClrMapping/>
+  </p:clrMapOvr>
+  <p:timing>
+    <p:tnLst>
+      <p:par>
+        <p:cTn id="1" dur="indefinite" restart="never" nodeType="tmRoot"/>
+      </p:par>
+    </p:tnLst>
+  </p:timing>
+</p:sld>
+</file>
+
+<file path=ppt/slides/slide6.xml><?xml version="1.0" encoding="utf-8"?>
+<p:sld xmlns:a="http://schemas.openxmlformats.org/drawingml/2006/main" xmlns:r="http://schemas.openxmlformats.org/officeDocument/2006/relationships" xmlns:p="http://schemas.openxmlformats.org/presentationml/2006/main">
+  <p:cSld>
+    <p:spTree>
+      <p:nvGrpSpPr>
+        <p:cNvPr id="1" name=""/>
+        <p:cNvGrpSpPr/>
+        <p:nvPr/>
+      </p:nvGrpSpPr>
+      <p:grpSpPr>
+        <a:xfrm>
+          <a:off x="0" y="0"/>
+          <a:ext cx="0" cy="0"/>
+          <a:chOff x="0" y="0"/>
+          <a:chExt cx="0" cy="0"/>
+        </a:xfrm>
+      </p:grpSpPr>
+      <p:sp>
+        <p:nvSpPr>
+          <p:cNvPr id="4" name="Title 3"/>
+          <p:cNvSpPr>
+            <a:spLocks noGrp="1"/>
+          </p:cNvSpPr>
+          <p:nvPr>
+            <p:ph type="title"/>
+          </p:nvPr>
+        </p:nvSpPr>
+        <p:spPr>
+          <a:xfrm>
+            <a:off x="76200" y="3810000"/>
+            <a:ext cx="4572000" cy="1143000"/>
+          </a:xfrm>
+        </p:spPr>
+        <p:txBody>
+          <a:bodyPr>
+            <a:normAutofit fontScale="90000"/>
+          </a:bodyPr>
+          <a:lstStyle/>
+          <a:p>
+            <a:r>
+              <a:rPr lang="en-US" dirty="0" smtClean="0"/>
+              <a:t>Methanogenesis</a:t>
+            </a:r>
+            <a:br>
+              <a:rPr lang="en-US" dirty="0" smtClean="0"/>
+            </a:br>
+            <a:r>
+              <a:rPr lang="en-US" dirty="0" smtClean="0"/>
+              <a:t> (CO</a:t>
+            </a:r>
+            <a:r>
+              <a:rPr lang="en-US" baseline="-25000" dirty="0" smtClean="0"/>
+              <a:t>2</a:t>
+            </a:r>
+            <a:r>
+              <a:rPr lang="en-US" dirty="0" smtClean="0"/>
+              <a:t>+H</a:t>
+            </a:r>
+            <a:r>
+              <a:rPr lang="en-US" baseline="-25000" dirty="0" smtClean="0"/>
+              <a:t>2</a:t>
+            </a:r>
+            <a:r>
+              <a:rPr lang="en-US" dirty="0" smtClean="0"/>
+              <a:t>)</a:t>
+            </a:r>
+            <a:endParaRPr lang="en-US" dirty="0"/>
+          </a:p>
+        </p:txBody>
+      </p:sp>
+      <p:pic>
+        <p:nvPicPr>
+          <p:cNvPr id="6" name="Picture 5"/>
+          <p:cNvPicPr>
+            <a:picLocks noChangeAspect="1"/>
+          </p:cNvPicPr>
+          <p:nvPr/>
+        </p:nvPicPr>
+        <p:blipFill rotWithShape="1">
+          <a:blip r:embed="rId2" cstate="print">
+            <a:extLst>
+              <a:ext uri="{28A0092B-C50C-407E-A947-70E740481C1C}">
+                <a14:useLocalDpi xmlns:a14="http://schemas.microsoft.com/office/drawing/2010/main" val="0"/>
+              </a:ext>
+            </a:extLst>
+          </a:blip>
+          <a:srcRect l="14744" t="5125" r="15273" b="11655"/>
+          <a:stretch/>
+        </p:blipFill>
+        <p:spPr>
+          <a:xfrm>
+            <a:off x="2812131" y="0"/>
+            <a:ext cx="6199790" cy="6826583"/>
+          </a:xfrm>
+          <a:prstGeom prst="rect">
+            <a:avLst/>
+          </a:prstGeom>
+        </p:spPr>
+      </p:pic>
+    </p:spTree>
+    <p:extLst>
+      <p:ext uri="{BB962C8B-B14F-4D97-AF65-F5344CB8AC3E}">
+        <p14:creationId xmlns:p14="http://schemas.microsoft.com/office/powerpoint/2010/main" val="761160170"/>
+      </p:ext>
+    </p:extLst>
+  </p:cSld>
+  <p:clrMapOvr>
+    <a:masterClrMapping/>
+  </p:clrMapOvr>
+  <p:timing>
+    <p:tnLst>
+      <p:par>
+        <p:cTn id="1" dur="indefinite" restart="never" nodeType="tmRoot"/>
+      </p:par>
+    </p:tnLst>
+  </p:timing>
+</p:sld>
+</file>
+
+<file path=ppt/slides/slide7.xml><?xml version="1.0" encoding="utf-8"?>
+<p:sld xmlns:a="http://schemas.openxmlformats.org/drawingml/2006/main" xmlns:r="http://schemas.openxmlformats.org/officeDocument/2006/relationships" xmlns:p="http://schemas.openxmlformats.org/presentationml/2006/main">
+  <p:cSld>
+    <p:spTree>
+      <p:nvGrpSpPr>
+        <p:cNvPr id="1" name=""/>
+        <p:cNvGrpSpPr/>
+        <p:nvPr/>
+      </p:nvGrpSpPr>
+      <p:grpSpPr>
+        <a:xfrm>
+          <a:off x="0" y="0"/>
+          <a:ext cx="0" cy="0"/>
+          <a:chOff x="0" y="0"/>
+          <a:chExt cx="0" cy="0"/>
+        </a:xfrm>
+      </p:grpSpPr>
+      <p:sp>
+        <p:nvSpPr>
+          <p:cNvPr id="2" name="Title 1"/>
+          <p:cNvSpPr>
+            <a:spLocks noGrp="1"/>
+          </p:cNvSpPr>
+          <p:nvPr>
+            <p:ph type="title"/>
+          </p:nvPr>
+        </p:nvSpPr>
+        <p:spPr>
+          <a:xfrm>
+            <a:off x="76200" y="2057400"/>
+            <a:ext cx="4267200" cy="2362200"/>
+          </a:xfrm>
+        </p:spPr>
+        <p:txBody>
+          <a:bodyPr>
+            <a:normAutofit/>
+          </a:bodyPr>
+          <a:lstStyle/>
+          <a:p>
+            <a:r>
+              <a:rPr lang="en-US" dirty="0" smtClean="0"/>
+              <a:t>Methionine Synthesis</a:t>
+            </a:r>
+            <a:endParaRPr lang="en-US" dirty="0"/>
+          </a:p>
+        </p:txBody>
+      </p:sp>
+      <p:pic>
+        <p:nvPicPr>
+          <p:cNvPr id="4" name="Picture 3"/>
+          <p:cNvPicPr>
+            <a:picLocks noChangeAspect="1"/>
+          </p:cNvPicPr>
+          <p:nvPr/>
+        </p:nvPicPr>
+        <p:blipFill rotWithShape="1">
+          <a:blip r:embed="rId2" cstate="print">
+            <a:extLst>
+              <a:ext uri="{28A0092B-C50C-407E-A947-70E740481C1C}">
+                <a14:useLocalDpi xmlns:a14="http://schemas.microsoft.com/office/drawing/2010/main" val="0"/>
+              </a:ext>
+            </a:extLst>
+          </a:blip>
+          <a:srcRect l="47719" b="40274"/>
+          <a:stretch/>
+        </p:blipFill>
+        <p:spPr>
+          <a:xfrm>
+            <a:off x="4114800" y="137272"/>
+            <a:ext cx="4724400" cy="6740561"/>
+          </a:xfrm>
+          <a:prstGeom prst="rect">
+            <a:avLst/>
+          </a:prstGeom>
+        </p:spPr>
+      </p:pic>
+    </p:spTree>
+    <p:extLst>
+      <p:ext uri="{BB962C8B-B14F-4D97-AF65-F5344CB8AC3E}">
+        <p14:creationId xmlns:p14="http://schemas.microsoft.com/office/powerpoint/2010/main" val="127295307"/>
+      </p:ext>
+    </p:extLst>
+  </p:cSld>
+  <p:clrMapOvr>
+    <a:masterClrMapping/>
+  </p:clrMapOvr>
+  <p:timing>
+    <p:tnLst>
+      <p:par>
+        <p:cTn id="1" dur="indefinite" restart="never" nodeType="tmRoot"/>
+      </p:par>
+    </p:tnLst>
+  </p:timing>
+</p:sld>
+</file>
+
+<file path=ppt/slides/slide8.xml><?xml version="1.0" encoding="utf-8"?>
+<p:sld xmlns:a="http://schemas.openxmlformats.org/drawingml/2006/main" xmlns:r="http://schemas.openxmlformats.org/officeDocument/2006/relationships" xmlns:p="http://schemas.openxmlformats.org/presentationml/2006/main">
+  <p:cSld>
+    <p:spTree>
+      <p:nvGrpSpPr>
+        <p:cNvPr id="1" name=""/>
+        <p:cNvGrpSpPr/>
+        <p:nvPr/>
+      </p:nvGrpSpPr>
+      <p:grpSpPr>
+        <a:xfrm>
+          <a:off x="0" y="0"/>
+          <a:ext cx="0" cy="0"/>
+          <a:chOff x="0" y="0"/>
+          <a:chExt cx="0" cy="0"/>
+        </a:xfrm>
+      </p:grpSpPr>
+      <p:sp>
+        <p:nvSpPr>
+          <p:cNvPr id="2" name="Title 1"/>
+          <p:cNvSpPr>
+            <a:spLocks noGrp="1"/>
+          </p:cNvSpPr>
+          <p:nvPr>
+            <p:ph type="title"/>
+          </p:nvPr>
+        </p:nvSpPr>
+        <p:spPr/>
+        <p:txBody>
+          <a:bodyPr/>
+          <a:lstStyle/>
+          <a:p>
+            <a:r>
+              <a:rPr lang="en-US" dirty="0" smtClean="0"/>
+              <a:t>Some Current Shortcomings</a:t>
+            </a:r>
+            <a:endParaRPr lang="en-US" dirty="0"/>
+          </a:p>
+        </p:txBody>
+      </p:sp>
+      <p:sp>
+        <p:nvSpPr>
+          <p:cNvPr id="3" name="Content Placeholder 2"/>
+          <p:cNvSpPr>
+            <a:spLocks noGrp="1"/>
+          </p:cNvSpPr>
+          <p:nvPr>
+            <p:ph idx="1"/>
+          </p:nvPr>
+        </p:nvSpPr>
+        <p:spPr/>
+        <p:txBody>
+          <a:bodyPr/>
+          <a:lstStyle/>
+          <a:p>
+            <a:r>
+              <a:rPr lang="en-US" dirty="0" smtClean="0"/>
+              <a:t>Missing CO-dehydrogenase: </a:t>
+            </a:r>
+          </a:p>
+          <a:p>
+            <a:pPr marL="0" indent="0">
+              <a:buNone/>
+            </a:pPr>
+            <a:endParaRPr lang="en-US" dirty="0"/>
+          </a:p>
+          <a:p>
+            <a:pPr marL="0" indent="0">
+              <a:buNone/>
+            </a:pPr>
+            <a:endParaRPr lang="en-US" dirty="0"/>
+          </a:p>
+          <a:p>
+            <a:r>
+              <a:rPr lang="en-US" dirty="0" smtClean="0"/>
+              <a:t>Cannot utilize acetate for biomass or CH</a:t>
+            </a:r>
+            <a:r>
+              <a:rPr lang="en-US" baseline="-25000" dirty="0" smtClean="0"/>
+              <a:t>4</a:t>
+            </a:r>
+            <a:r>
+              <a:rPr lang="en-US" dirty="0" smtClean="0"/>
+              <a:t> production</a:t>
+            </a:r>
+          </a:p>
+          <a:p>
+            <a:endParaRPr lang="en-US" dirty="0"/>
+          </a:p>
+          <a:p>
+            <a:r>
+              <a:rPr lang="en-US" dirty="0" smtClean="0"/>
+              <a:t>Formate pathway either produces biomass OR makes CH</a:t>
+            </a:r>
+            <a:r>
+              <a:rPr lang="en-US" baseline="-25000" dirty="0" smtClean="0"/>
+              <a:t>4</a:t>
+            </a:r>
+          </a:p>
+        </p:txBody>
+      </p:sp>
+      <p:sp>
+        <p:nvSpPr>
+          <p:cNvPr id="4" name="TextBox 3"/>
+          <p:cNvSpPr txBox="1"/>
+          <p:nvPr/>
+        </p:nvSpPr>
+        <p:spPr>
+          <a:xfrm>
+            <a:off x="609600" y="2438400"/>
+            <a:ext cx="7991547" cy="584775"/>
+          </a:xfrm>
+          <a:prstGeom prst="rect">
+            <a:avLst/>
+          </a:prstGeom>
+          <a:noFill/>
+        </p:spPr>
+        <p:txBody>
+          <a:bodyPr wrap="none" rtlCol="0">
+            <a:spAutoFit/>
+          </a:bodyPr>
+          <a:lstStyle/>
+          <a:p>
+            <a:r>
+              <a:rPr lang="en-US" sz="3200" dirty="0" smtClean="0"/>
+              <a:t>CO + CoA + CH</a:t>
+            </a:r>
+            <a:r>
+              <a:rPr lang="en-US" sz="3200" baseline="-25000" dirty="0" smtClean="0"/>
+              <a:t>3</a:t>
+            </a:r>
+            <a:r>
+              <a:rPr lang="en-US" sz="3200" dirty="0" smtClean="0"/>
+              <a:t>-H</a:t>
+            </a:r>
+            <a:r>
+              <a:rPr lang="en-US" sz="3200" baseline="-25000" dirty="0" smtClean="0"/>
+              <a:t>4</a:t>
+            </a:r>
+            <a:r>
+              <a:rPr lang="en-US" sz="3200" dirty="0" smtClean="0"/>
+              <a:t>MPT </a:t>
+            </a:r>
+            <a:r>
+              <a:rPr lang="en-US" sz="3200" dirty="0" smtClean="0">
+                <a:sym typeface="Wingdings" panose="05000000000000000000" pitchFamily="2" charset="2"/>
+              </a:rPr>
+              <a:t> H</a:t>
+            </a:r>
+            <a:r>
+              <a:rPr lang="en-US" sz="3200" baseline="-25000" dirty="0" smtClean="0">
+                <a:sym typeface="Wingdings" panose="05000000000000000000" pitchFamily="2" charset="2"/>
+              </a:rPr>
+              <a:t>4</a:t>
+            </a:r>
+            <a:r>
+              <a:rPr lang="en-US" sz="3200" dirty="0" smtClean="0">
+                <a:sym typeface="Wingdings" panose="05000000000000000000" pitchFamily="2" charset="2"/>
+              </a:rPr>
+              <a:t>MPT + Acetyl-CoA</a:t>
+            </a:r>
+            <a:endParaRPr lang="en-US" sz="3200" dirty="0"/>
+          </a:p>
+        </p:txBody>
+      </p:sp>
+    </p:spTree>
+    <p:extLst>
+      <p:ext uri="{BB962C8B-B14F-4D97-AF65-F5344CB8AC3E}">
+        <p14:creationId xmlns:p14="http://schemas.microsoft.com/office/powerpoint/2010/main" val="3022098955"/>
+      </p:ext>
+    </p:extLst>
+  </p:cSld>
+  <p:clrMapOvr>
+    <a:masterClrMapping/>
+  </p:clrMapOvr>
+  <p:timing>
+    <p:tnLst>
+      <p:par>
+        <p:cTn id="1" dur="indefinite" restart="never" nodeType="tmRoot"/>
+      </p:par>
+    </p:tnLst>
+  </p:timing>
+</p:sld>
+</file>
+
+<file path=ppt/slides/slide9.xml><?xml version="1.0" encoding="utf-8"?>
+<p:sld xmlns:a="http://schemas.openxmlformats.org/drawingml/2006/main" xmlns:r="http://schemas.openxmlformats.org/officeDocument/2006/relationships" xmlns:p="http://schemas.openxmlformats.org/presentationml/2006/main">
+  <p:cSld>
+    <p:spTree>
+      <p:nvGrpSpPr>
+        <p:cNvPr id="1" name=""/>
+        <p:cNvGrpSpPr/>
+        <p:nvPr/>
+      </p:nvGrpSpPr>
+      <p:grpSpPr>
+        <a:xfrm>
+          <a:off x="0" y="0"/>
+          <a:ext cx="0" cy="0"/>
+          <a:chOff x="0" y="0"/>
+          <a:chExt cx="0" cy="0"/>
+        </a:xfrm>
+      </p:grpSpPr>
+      <p:sp>
+        <p:nvSpPr>
+          <p:cNvPr id="2" name="Title 1"/>
+          <p:cNvSpPr>
+            <a:spLocks noGrp="1"/>
+          </p:cNvSpPr>
+          <p:nvPr>
+            <p:ph type="title"/>
+          </p:nvPr>
+        </p:nvSpPr>
+        <p:spPr/>
+        <p:txBody>
+          <a:bodyPr/>
+          <a:lstStyle/>
+          <a:p>
+            <a:r>
+              <a:rPr lang="en-US" dirty="0" smtClean="0"/>
+              <a:t>Future Directions </a:t>
+            </a:r>
+            <a:endParaRPr lang="en-US" dirty="0"/>
+          </a:p>
+        </p:txBody>
+      </p:sp>
+      <p:sp>
+        <p:nvSpPr>
+          <p:cNvPr id="3" name="Content Placeholder 2"/>
+          <p:cNvSpPr>
+            <a:spLocks noGrp="1"/>
+          </p:cNvSpPr>
+          <p:nvPr>
+            <p:ph idx="1"/>
+          </p:nvPr>
+        </p:nvSpPr>
+        <p:spPr/>
+        <p:txBody>
+          <a:bodyPr/>
+          <a:lstStyle/>
+          <a:p>
+            <a:r>
+              <a:rPr lang="en-US" dirty="0" smtClean="0"/>
+              <a:t>Media Formulations</a:t>
+            </a:r>
+          </a:p>
+          <a:p>
+            <a:pPr lvl="1"/>
+            <a:r>
+              <a:rPr lang="en-US" dirty="0" smtClean="0"/>
+              <a:t>How many different defined media do we have</a:t>
+            </a:r>
+          </a:p>
+          <a:p>
+            <a:pPr lvl="1"/>
+            <a:r>
+              <a:rPr lang="en-US" dirty="0" smtClean="0"/>
+              <a:t>Cannot grow on acetate alone?</a:t>
+            </a:r>
+          </a:p>
+          <a:p>
+            <a:r>
+              <a:rPr lang="en-US" dirty="0" smtClean="0"/>
+              <a:t>Validation data</a:t>
+            </a:r>
+          </a:p>
+          <a:p>
+            <a:pPr lvl="1"/>
+            <a:r>
+              <a:rPr lang="en-US" dirty="0" smtClean="0"/>
+              <a:t>Gene knockout data</a:t>
+            </a:r>
+          </a:p>
+          <a:p>
+            <a:pPr lvl="1"/>
+            <a:r>
+              <a:rPr lang="en-US" dirty="0" smtClean="0"/>
+              <a:t>Growth rates, product yields, uptake rates</a:t>
+            </a:r>
+          </a:p>
+          <a:p>
+            <a:r>
+              <a:rPr lang="en-US" dirty="0" smtClean="0"/>
+              <a:t>Verification of crucial pathways</a:t>
+            </a:r>
+          </a:p>
+          <a:p>
+            <a:pPr lvl="1"/>
+            <a:r>
+              <a:rPr lang="en-US" dirty="0" smtClean="0"/>
+              <a:t>Best method of representation?</a:t>
+            </a:r>
+          </a:p>
+          <a:p>
+            <a:endParaRPr lang="en-US" dirty="0" smtClean="0"/>
+          </a:p>
+          <a:p>
+            <a:endParaRPr lang="en-US" dirty="0" smtClean="0"/>
+          </a:p>
+          <a:p>
+            <a:pPr lvl="1"/>
+            <a:endParaRPr lang="en-US" dirty="0"/>
+          </a:p>
+        </p:txBody>
+      </p:sp>
+    </p:spTree>
+    <p:extLst>
+      <p:ext uri="{BB962C8B-B14F-4D97-AF65-F5344CB8AC3E}">
+        <p14:creationId xmlns:p14="http://schemas.microsoft.com/office/powerpoint/2010/main" val="4236882799"/>
+      </p:ext>
+    </p:extLst>
+  </p:cSld>
+  <p:clrMapOvr>
+    <a:masterClrMapping/>
+  </p:clrMapOvr>
+  <p:timing>
+    <p:tnLst>
+      <p:par>
+        <p:cTn id="1" dur="indefinite" restart="never" nodeType="tmRoot"/>
+      </p:par>
+    </p:tnLst>
+  </p:timing>
+</p:sld>
 </file>
 
 <file path=ppt/theme/theme1.xml><?xml version="1.0" encoding="utf-8"?>
@@ -3320,4 +6322,289 @@
   <a:objectDefaults/>
   <a:extraClrSchemeLst/>
 </a:theme>
+</file>
+
+<file path=ppt/theme/theme2.xml><?xml version="1.0" encoding="utf-8"?>
+<a:theme xmlns:a="http://schemas.openxmlformats.org/drawingml/2006/main" name="Office Theme">
+  <a:themeElements>
+    <a:clrScheme name="Office">
+      <a:dk1>
+        <a:sysClr val="windowText" lastClr="000000"/>
+      </a:dk1>
+      <a:lt1>
+        <a:sysClr val="window" lastClr="FFFFFF"/>
+      </a:lt1>
+      <a:dk2>
+        <a:srgbClr val="1F497D"/>
+      </a:dk2>
+      <a:lt2>
+        <a:srgbClr val="EEECE1"/>
+      </a:lt2>
+      <a:accent1>
+        <a:srgbClr val="4F81BD"/>
+      </a:accent1>
+      <a:accent2>
+        <a:srgbClr val="C0504D"/>
+      </a:accent2>
+      <a:accent3>
+        <a:srgbClr val="9BBB59"/>
+      </a:accent3>
+      <a:accent4>
+        <a:srgbClr val="8064A2"/>
+      </a:accent4>
+      <a:accent5>
+        <a:srgbClr val="4BACC6"/>
+      </a:accent5>
+      <a:accent6>
+        <a:srgbClr val="F79646"/>
+      </a:accent6>
+      <a:hlink>
+        <a:srgbClr val="0000FF"/>
+      </a:hlink>
+      <a:folHlink>
+        <a:srgbClr val="800080"/>
+      </a:folHlink>
+    </a:clrScheme>
+    <a:fontScheme name="Office">
+      <a:majorFont>
+        <a:latin typeface="Calibri"/>
+        <a:ea typeface=""/>
+        <a:cs typeface=""/>
+        <a:font script="Jpan" typeface="ＭＳ Ｐゴシック"/>
+        <a:font script="Hang" typeface="맑은 고딕"/>
+        <a:font script="Hans" typeface="宋体"/>
+        <a:font script="Hant" typeface="新細明體"/>
+        <a:font script="Arab" typeface="Times New Roman"/>
+        <a:font script="Hebr" typeface="Times New Roman"/>
+        <a:font script="Thai" typeface="Angsana New"/>
+        <a:font script="Ethi" typeface="Nyala"/>
+        <a:font script="Beng" typeface="Vrinda"/>
+        <a:font script="Gujr" typeface="Shruti"/>
+        <a:font script="Khmr" typeface="MoolBoran"/>
+        <a:font script="Knda" typeface="Tunga"/>
+        <a:font script="Guru" typeface="Raavi"/>
+        <a:font script="Cans" typeface="Euphemia"/>
+        <a:font script="Cher" typeface="Plantagenet Cherokee"/>
+        <a:font script="Yiii" typeface="Microsoft Yi Baiti"/>
+        <a:font script="Tibt" typeface="Microsoft Himalaya"/>
+        <a:font script="Thaa" typeface="MV Boli"/>
+        <a:font script="Deva" typeface="Mangal"/>
+        <a:font script="Telu" typeface="Gautami"/>
+        <a:font script="Taml" typeface="Latha"/>
+        <a:font script="Syrc" typeface="Estrangelo Edessa"/>
+        <a:font script="Orya" typeface="Kalinga"/>
+        <a:font script="Mlym" typeface="Kartika"/>
+        <a:font script="Laoo" typeface="DokChampa"/>
+        <a:font script="Sinh" typeface="Iskoola Pota"/>
+        <a:font script="Mong" typeface="Mongolian Baiti"/>
+        <a:font script="Viet" typeface="Times New Roman"/>
+        <a:font script="Uigh" typeface="Microsoft Uighur"/>
+        <a:font script="Geor" typeface="Sylfaen"/>
+      </a:majorFont>
+      <a:minorFont>
+        <a:latin typeface="Calibri"/>
+        <a:ea typeface=""/>
+        <a:cs typeface=""/>
+        <a:font script="Jpan" typeface="ＭＳ Ｐゴシック"/>
+        <a:font script="Hang" typeface="맑은 고딕"/>
+        <a:font script="Hans" typeface="宋体"/>
+        <a:font script="Hant" typeface="新細明體"/>
+        <a:font script="Arab" typeface="Arial"/>
+        <a:font script="Hebr" typeface="Arial"/>
+        <a:font script="Thai" typeface="Cordia New"/>
+        <a:font script="Ethi" typeface="Nyala"/>
+        <a:font script="Beng" typeface="Vrinda"/>
+        <a:font script="Gujr" typeface="Shruti"/>
+        <a:font script="Khmr" typeface="DaunPenh"/>
+        <a:font script="Knda" typeface="Tunga"/>
+        <a:font script="Guru" typeface="Raavi"/>
+        <a:font script="Cans" typeface="Euphemia"/>
+        <a:font script="Cher" typeface="Plantagenet Cherokee"/>
+        <a:font script="Yiii" typeface="Microsoft Yi Baiti"/>
+        <a:font script="Tibt" typeface="Microsoft Himalaya"/>
+        <a:font script="Thaa" typeface="MV Boli"/>
+        <a:font script="Deva" typeface="Mangal"/>
+        <a:font script="Telu" typeface="Gautami"/>
+        <a:font script="Taml" typeface="Latha"/>
+        <a:font script="Syrc" typeface="Estrangelo Edessa"/>
+        <a:font script="Orya" typeface="Kalinga"/>
+        <a:font script="Mlym" typeface="Kartika"/>
+        <a:font script="Laoo" typeface="DokChampa"/>
+        <a:font script="Sinh" typeface="Iskoola Pota"/>
+        <a:font script="Mong" typeface="Mongolian Baiti"/>
+        <a:font script="Viet" typeface="Arial"/>
+        <a:font script="Uigh" typeface="Microsoft Uighur"/>
+        <a:font script="Geor" typeface="Sylfaen"/>
+      </a:minorFont>
+    </a:fontScheme>
+    <a:fmtScheme name="Office">
+      <a:fillStyleLst>
+        <a:solidFill>
+          <a:schemeClr val="phClr"/>
+        </a:solidFill>
+        <a:gradFill rotWithShape="1">
+          <a:gsLst>
+            <a:gs pos="0">
+              <a:schemeClr val="phClr">
+                <a:tint val="50000"/>
+                <a:satMod val="300000"/>
+              </a:schemeClr>
+            </a:gs>
+            <a:gs pos="35000">
+              <a:schemeClr val="phClr">
+                <a:tint val="37000"/>
+                <a:satMod val="300000"/>
+              </a:schemeClr>
+            </a:gs>
+            <a:gs pos="100000">
+              <a:schemeClr val="phClr">
+                <a:tint val="15000"/>
+                <a:satMod val="350000"/>
+              </a:schemeClr>
+            </a:gs>
+          </a:gsLst>
+          <a:lin ang="16200000" scaled="1"/>
+        </a:gradFill>
+        <a:gradFill rotWithShape="1">
+          <a:gsLst>
+            <a:gs pos="0">
+              <a:schemeClr val="phClr">
+                <a:shade val="51000"/>
+                <a:satMod val="130000"/>
+              </a:schemeClr>
+            </a:gs>
+            <a:gs pos="80000">
+              <a:schemeClr val="phClr">
+                <a:shade val="93000"/>
+                <a:satMod val="130000"/>
+              </a:schemeClr>
+            </a:gs>
+            <a:gs pos="100000">
+              <a:schemeClr val="phClr">
+                <a:shade val="94000"/>
+                <a:satMod val="135000"/>
+              </a:schemeClr>
+            </a:gs>
+          </a:gsLst>
+          <a:lin ang="16200000" scaled="0"/>
+        </a:gradFill>
+      </a:fillStyleLst>
+      <a:lnStyleLst>
+        <a:ln w="9525" cap="flat" cmpd="sng" algn="ctr">
+          <a:solidFill>
+            <a:schemeClr val="phClr">
+              <a:shade val="95000"/>
+              <a:satMod val="105000"/>
+            </a:schemeClr>
+          </a:solidFill>
+          <a:prstDash val="solid"/>
+        </a:ln>
+        <a:ln w="25400" cap="flat" cmpd="sng" algn="ctr">
+          <a:solidFill>
+            <a:schemeClr val="phClr"/>
+          </a:solidFill>
+          <a:prstDash val="solid"/>
+        </a:ln>
+        <a:ln w="38100" cap="flat" cmpd="sng" algn="ctr">
+          <a:solidFill>
+            <a:schemeClr val="phClr"/>
+          </a:solidFill>
+          <a:prstDash val="solid"/>
+        </a:ln>
+      </a:lnStyleLst>
+      <a:effectStyleLst>
+        <a:effectStyle>
+          <a:effectLst>
+            <a:outerShdw blurRad="40000" dist="20000" dir="5400000" rotWithShape="0">
+              <a:srgbClr val="000000">
+                <a:alpha val="38000"/>
+              </a:srgbClr>
+            </a:outerShdw>
+          </a:effectLst>
+        </a:effectStyle>
+        <a:effectStyle>
+          <a:effectLst>
+            <a:outerShdw blurRad="40000" dist="23000" dir="5400000" rotWithShape="0">
+              <a:srgbClr val="000000">
+                <a:alpha val="35000"/>
+              </a:srgbClr>
+            </a:outerShdw>
+          </a:effectLst>
+        </a:effectStyle>
+        <a:effectStyle>
+          <a:effectLst>
+            <a:outerShdw blurRad="40000" dist="23000" dir="5400000" rotWithShape="0">
+              <a:srgbClr val="000000">
+                <a:alpha val="35000"/>
+              </a:srgbClr>
+            </a:outerShdw>
+          </a:effectLst>
+          <a:scene3d>
+            <a:camera prst="orthographicFront">
+              <a:rot lat="0" lon="0" rev="0"/>
+            </a:camera>
+            <a:lightRig rig="threePt" dir="t">
+              <a:rot lat="0" lon="0" rev="1200000"/>
+            </a:lightRig>
+          </a:scene3d>
+          <a:sp3d>
+            <a:bevelT w="63500" h="25400"/>
+          </a:sp3d>
+        </a:effectStyle>
+      </a:effectStyleLst>
+      <a:bgFillStyleLst>
+        <a:solidFill>
+          <a:schemeClr val="phClr"/>
+        </a:solidFill>
+        <a:gradFill rotWithShape="1">
+          <a:gsLst>
+            <a:gs pos="0">
+              <a:schemeClr val="phClr">
+                <a:tint val="40000"/>
+                <a:satMod val="350000"/>
+              </a:schemeClr>
+            </a:gs>
+            <a:gs pos="40000">
+              <a:schemeClr val="phClr">
+                <a:tint val="45000"/>
+                <a:shade val="99000"/>
+                <a:satMod val="350000"/>
+              </a:schemeClr>
+            </a:gs>
+            <a:gs pos="100000">
+              <a:schemeClr val="phClr">
+                <a:shade val="20000"/>
+                <a:satMod val="255000"/>
+              </a:schemeClr>
+            </a:gs>
+          </a:gsLst>
+          <a:path path="circle">
+            <a:fillToRect l="50000" t="-80000" r="50000" b="180000"/>
+          </a:path>
+        </a:gradFill>
+        <a:gradFill rotWithShape="1">
+          <a:gsLst>
+            <a:gs pos="0">
+              <a:schemeClr val="phClr">
+                <a:tint val="80000"/>
+                <a:satMod val="300000"/>
+              </a:schemeClr>
+            </a:gs>
+            <a:gs pos="100000">
+              <a:schemeClr val="phClr">
+                <a:shade val="30000"/>
+                <a:satMod val="200000"/>
+              </a:schemeClr>
+            </a:gs>
+          </a:gsLst>
+          <a:path path="circle">
+            <a:fillToRect l="50000" t="50000" r="50000" b="50000"/>
+          </a:path>
+        </a:gradFill>
+      </a:bgFillStyleLst>
+    </a:fmtScheme>
+  </a:themeElements>
+  <a:objectDefaults/>
+  <a:extraClrSchemeLst/>
+</a:theme>
 </file>
--- a/Collaborator Meetings/2014_05_08 meeting.pptx
+++ b/Collaborator Meetings/2014_05_08 meeting.pptx
@@ -201,7 +201,7 @@
           <a:p>
             <a:fld id="{1455E86B-A5C1-45AB-9431-76E750A11E91}" type="datetimeFigureOut">
               <a:rPr lang="en-US" smtClean="0"/>
-              <a:t>5/7/2014</a:t>
+              <a:t>5/8/2014</a:t>
             </a:fld>
             <a:endParaRPr lang="en-US"/>
           </a:p>
@@ -651,7 +651,7 @@
             <a:fld id="{1D8BD707-D9CF-40AE-B4C6-C98DA3205C09}" type="datetimeFigureOut">
               <a:rPr lang="en-US" smtClean="0"/>
               <a:pPr/>
-              <a:t>5/7/2014</a:t>
+              <a:t>5/8/2014</a:t>
             </a:fld>
             <a:endParaRPr lang="en-US"/>
           </a:p>
@@ -818,7 +818,7 @@
             <a:fld id="{1D8BD707-D9CF-40AE-B4C6-C98DA3205C09}" type="datetimeFigureOut">
               <a:rPr lang="en-US" smtClean="0"/>
               <a:pPr/>
-              <a:t>5/7/2014</a:t>
+              <a:t>5/8/2014</a:t>
             </a:fld>
             <a:endParaRPr lang="en-US"/>
           </a:p>
@@ -995,7 +995,7 @@
             <a:fld id="{1D8BD707-D9CF-40AE-B4C6-C98DA3205C09}" type="datetimeFigureOut">
               <a:rPr lang="en-US" smtClean="0"/>
               <a:pPr/>
-              <a:t>5/7/2014</a:t>
+              <a:t>5/8/2014</a:t>
             </a:fld>
             <a:endParaRPr lang="en-US"/>
           </a:p>
@@ -1162,7 +1162,7 @@
             <a:fld id="{1D8BD707-D9CF-40AE-B4C6-C98DA3205C09}" type="datetimeFigureOut">
               <a:rPr lang="en-US" smtClean="0"/>
               <a:pPr/>
-              <a:t>5/7/2014</a:t>
+              <a:t>5/8/2014</a:t>
             </a:fld>
             <a:endParaRPr lang="en-US"/>
           </a:p>
@@ -1405,7 +1405,7 @@
             <a:fld id="{1D8BD707-D9CF-40AE-B4C6-C98DA3205C09}" type="datetimeFigureOut">
               <a:rPr lang="en-US" smtClean="0"/>
               <a:pPr/>
-              <a:t>5/7/2014</a:t>
+              <a:t>5/8/2014</a:t>
             </a:fld>
             <a:endParaRPr lang="en-US"/>
           </a:p>
@@ -1690,7 +1690,7 @@
             <a:fld id="{1D8BD707-D9CF-40AE-B4C6-C98DA3205C09}" type="datetimeFigureOut">
               <a:rPr lang="en-US" smtClean="0"/>
               <a:pPr/>
-              <a:t>5/7/2014</a:t>
+              <a:t>5/8/2014</a:t>
             </a:fld>
             <a:endParaRPr lang="en-US"/>
           </a:p>
@@ -2109,7 +2109,7 @@
             <a:fld id="{1D8BD707-D9CF-40AE-B4C6-C98DA3205C09}" type="datetimeFigureOut">
               <a:rPr lang="en-US" smtClean="0"/>
               <a:pPr/>
-              <a:t>5/7/2014</a:t>
+              <a:t>5/8/2014</a:t>
             </a:fld>
             <a:endParaRPr lang="en-US"/>
           </a:p>
@@ -2224,7 +2224,7 @@
             <a:fld id="{1D8BD707-D9CF-40AE-B4C6-C98DA3205C09}" type="datetimeFigureOut">
               <a:rPr lang="en-US" smtClean="0"/>
               <a:pPr/>
-              <a:t>5/7/2014</a:t>
+              <a:t>5/8/2014</a:t>
             </a:fld>
             <a:endParaRPr lang="en-US"/>
           </a:p>
@@ -2316,7 +2316,7 @@
             <a:fld id="{1D8BD707-D9CF-40AE-B4C6-C98DA3205C09}" type="datetimeFigureOut">
               <a:rPr lang="en-US" smtClean="0"/>
               <a:pPr/>
-              <a:t>5/7/2014</a:t>
+              <a:t>5/8/2014</a:t>
             </a:fld>
             <a:endParaRPr lang="en-US"/>
           </a:p>
@@ -2590,7 +2590,7 @@
             <a:fld id="{1D8BD707-D9CF-40AE-B4C6-C98DA3205C09}" type="datetimeFigureOut">
               <a:rPr lang="en-US" smtClean="0"/>
               <a:pPr/>
-              <a:t>5/7/2014</a:t>
+              <a:t>5/8/2014</a:t>
             </a:fld>
             <a:endParaRPr lang="en-US"/>
           </a:p>
@@ -2840,7 +2840,7 @@
             <a:fld id="{1D8BD707-D9CF-40AE-B4C6-C98DA3205C09}" type="datetimeFigureOut">
               <a:rPr lang="en-US" smtClean="0"/>
               <a:pPr/>
-              <a:t>5/7/2014</a:t>
+              <a:t>5/8/2014</a:t>
             </a:fld>
             <a:endParaRPr lang="en-US"/>
           </a:p>
@@ -3050,7 +3050,7 @@
             <a:fld id="{1D8BD707-D9CF-40AE-B4C6-C98DA3205C09}" type="datetimeFigureOut">
               <a:rPr lang="en-US" smtClean="0"/>
               <a:pPr/>
-              <a:t>5/7/2014</a:t>
+              <a:t>5/8/2014</a:t>
             </a:fld>
             <a:endParaRPr lang="en-US"/>
           </a:p>
@@ -3437,12 +3437,8 @@
           <a:lstStyle/>
           <a:p>
             <a:r>
-              <a:rPr lang="en-US" dirty="0" err="1" smtClean="0"/>
-              <a:t>Initiatial</a:t>
-            </a:r>
-            <a:r>
               <a:rPr lang="en-US" dirty="0" smtClean="0"/>
-              <a:t> </a:t>
+              <a:t>Initial </a:t>
             </a:r>
             <a:r>
               <a:rPr lang="en-US" dirty="0" err="1" smtClean="0"/>
@@ -4737,7 +4733,6 @@
                   <a:rPr lang="en-US" dirty="0"/>
                   <a:t>B</a:t>
                 </a:r>
-                <a:endParaRPr lang="en-US" dirty="0"/>
               </a:p>
             </p:txBody>
           </p:sp>
@@ -4781,7 +4776,6 @@
                   <a:rPr lang="en-US" dirty="0"/>
                   <a:t>C</a:t>
                 </a:r>
-                <a:endParaRPr lang="en-US" dirty="0"/>
               </a:p>
             </p:txBody>
           </p:sp>
@@ -4970,11 +4964,6 @@
                   </a:rPr>
                   <a:t>x</a:t>
                 </a:r>
-                <a:endParaRPr lang="en-US" sz="6000" b="1" dirty="0">
-                  <a:solidFill>
-                    <a:srgbClr val="FF0000"/>
-                  </a:solidFill>
-                </a:endParaRPr>
               </a:p>
             </p:txBody>
           </p:sp>
@@ -5201,7 +5190,6 @@
                   <a:rPr lang="en-US" dirty="0"/>
                   <a:t>B</a:t>
                 </a:r>
-                <a:endParaRPr lang="en-US" dirty="0"/>
               </a:p>
             </p:txBody>
           </p:sp>
@@ -5245,7 +5233,6 @@
                   <a:rPr lang="en-US" dirty="0"/>
                   <a:t>C</a:t>
                 </a:r>
-                <a:endParaRPr lang="en-US" dirty="0"/>
               </a:p>
             </p:txBody>
           </p:sp>
@@ -5434,11 +5421,6 @@
                   </a:rPr>
                   <a:t>x</a:t>
                 </a:r>
-                <a:endParaRPr lang="en-US" sz="6000" b="1" dirty="0">
-                  <a:solidFill>
-                    <a:srgbClr val="FF0000"/>
-                  </a:solidFill>
-                </a:endParaRPr>
               </a:p>
             </p:txBody>
           </p:sp>
@@ -5474,11 +5456,6 @@
               </a:rPr>
               <a:t>x</a:t>
             </a:r>
-            <a:endParaRPr lang="en-US" sz="6000" b="1" dirty="0">
-              <a:solidFill>
-                <a:srgbClr val="FF0000"/>
-              </a:solidFill>
-            </a:endParaRPr>
           </a:p>
         </p:txBody>
       </p:sp>
